--- a/foxglove/docs/Foxglove Deployment.pptx
+++ b/foxglove/docs/Foxglove Deployment.pptx
@@ -12,8 +12,8 @@
     <p:sldId id="259" r:id="rId6"/>
     <p:sldId id="263" r:id="rId7"/>
     <p:sldId id="265" r:id="rId8"/>
-    <p:sldId id="262" r:id="rId9"/>
-    <p:sldId id="261" r:id="rId10"/>
+    <p:sldId id="261" r:id="rId9"/>
+    <p:sldId id="266" r:id="rId10"/>
     <p:sldId id="264" r:id="rId11"/>
   </p:sldIdLst>
   <p:sldSz cx="12192000" cy="6858000"/>
@@ -113,6 +113,11 @@
       </a:defRPr>
     </a:lvl9pPr>
   </p:defaultTextStyle>
+  <p:extLst>
+    <p:ext uri="{EFAFB233-063F-42B5-8137-9DF3F51BA10A}">
+      <p15:sldGuideLst xmlns:p15="http://schemas.microsoft.com/office/powerpoint/2012/main"/>
+    </p:ext>
+  </p:extLst>
 </p:presentation>
 </file>
 
@@ -2743,925 +2748,6 @@
 </dgm:colorsDef>
 </file>
 
-<file path=ppt/diagrams/colors3.xml><?xml version="1.0" encoding="utf-8"?>
-<dgm:colorsDef xmlns:dgm="http://schemas.openxmlformats.org/drawingml/2006/diagram" xmlns:a="http://schemas.openxmlformats.org/drawingml/2006/main" uniqueId="urn:microsoft.com/office/officeart/2005/8/colors/colorful1">
-  <dgm:title val=""/>
-  <dgm:desc val=""/>
-  <dgm:catLst>
-    <dgm:cat type="colorful" pri="10100"/>
-  </dgm:catLst>
-  <dgm:styleLbl name="node0">
-    <dgm:fillClrLst meth="repeat">
-      <a:schemeClr val="accent1"/>
-    </dgm:fillClrLst>
-    <dgm:linClrLst meth="repeat">
-      <a:schemeClr val="lt1"/>
-    </dgm:linClrLst>
-    <dgm:effectClrLst/>
-    <dgm:txLinClrLst/>
-    <dgm:txFillClrLst/>
-    <dgm:txEffectClrLst/>
-  </dgm:styleLbl>
-  <dgm:styleLbl name="node1">
-    <dgm:fillClrLst meth="repeat">
-      <a:schemeClr val="accent2"/>
-      <a:schemeClr val="accent3"/>
-      <a:schemeClr val="accent4"/>
-      <a:schemeClr val="accent5"/>
-      <a:schemeClr val="accent6"/>
-    </dgm:fillClrLst>
-    <dgm:linClrLst meth="repeat">
-      <a:schemeClr val="lt1"/>
-    </dgm:linClrLst>
-    <dgm:effectClrLst/>
-    <dgm:txLinClrLst/>
-    <dgm:txFillClrLst/>
-    <dgm:txEffectClrLst/>
-  </dgm:styleLbl>
-  <dgm:styleLbl name="alignNode1">
-    <dgm:fillClrLst meth="repeat">
-      <a:schemeClr val="accent2"/>
-      <a:schemeClr val="accent3"/>
-      <a:schemeClr val="accent4"/>
-      <a:schemeClr val="accent5"/>
-      <a:schemeClr val="accent6"/>
-    </dgm:fillClrLst>
-    <dgm:linClrLst meth="repeat">
-      <a:schemeClr val="accent2"/>
-      <a:schemeClr val="accent3"/>
-      <a:schemeClr val="accent4"/>
-      <a:schemeClr val="accent5"/>
-      <a:schemeClr val="accent6"/>
-    </dgm:linClrLst>
-    <dgm:effectClrLst/>
-    <dgm:txLinClrLst/>
-    <dgm:txFillClrLst/>
-    <dgm:txEffectClrLst/>
-  </dgm:styleLbl>
-  <dgm:styleLbl name="lnNode1">
-    <dgm:fillClrLst meth="repeat">
-      <a:schemeClr val="accent2"/>
-      <a:schemeClr val="accent3"/>
-      <a:schemeClr val="accent4"/>
-      <a:schemeClr val="accent5"/>
-      <a:schemeClr val="accent6"/>
-    </dgm:fillClrLst>
-    <dgm:linClrLst meth="repeat">
-      <a:schemeClr val="lt1"/>
-    </dgm:linClrLst>
-    <dgm:effectClrLst/>
-    <dgm:txLinClrLst/>
-    <dgm:txFillClrLst/>
-    <dgm:txEffectClrLst/>
-  </dgm:styleLbl>
-  <dgm:styleLbl name="vennNode1">
-    <dgm:fillClrLst meth="repeat">
-      <a:schemeClr val="accent2">
-        <a:alpha val="50000"/>
-      </a:schemeClr>
-      <a:schemeClr val="accent3">
-        <a:alpha val="50000"/>
-      </a:schemeClr>
-      <a:schemeClr val="accent4">
-        <a:alpha val="50000"/>
-      </a:schemeClr>
-      <a:schemeClr val="accent5">
-        <a:alpha val="50000"/>
-      </a:schemeClr>
-      <a:schemeClr val="accent6">
-        <a:alpha val="50000"/>
-      </a:schemeClr>
-    </dgm:fillClrLst>
-    <dgm:linClrLst meth="repeat">
-      <a:schemeClr val="lt1"/>
-    </dgm:linClrLst>
-    <dgm:effectClrLst/>
-    <dgm:txLinClrLst/>
-    <dgm:txFillClrLst/>
-    <dgm:txEffectClrLst/>
-  </dgm:styleLbl>
-  <dgm:styleLbl name="node2">
-    <dgm:fillClrLst>
-      <a:schemeClr val="accent2"/>
-    </dgm:fillClrLst>
-    <dgm:linClrLst meth="repeat">
-      <a:schemeClr val="lt1"/>
-    </dgm:linClrLst>
-    <dgm:effectClrLst/>
-    <dgm:txLinClrLst/>
-    <dgm:txFillClrLst/>
-    <dgm:txEffectClrLst/>
-  </dgm:styleLbl>
-  <dgm:styleLbl name="node3">
-    <dgm:fillClrLst>
-      <a:schemeClr val="accent3"/>
-    </dgm:fillClrLst>
-    <dgm:linClrLst meth="repeat">
-      <a:schemeClr val="lt1"/>
-    </dgm:linClrLst>
-    <dgm:effectClrLst/>
-    <dgm:txLinClrLst/>
-    <dgm:txFillClrLst/>
-    <dgm:txEffectClrLst/>
-  </dgm:styleLbl>
-  <dgm:styleLbl name="node4">
-    <dgm:fillClrLst>
-      <a:schemeClr val="accent4"/>
-    </dgm:fillClrLst>
-    <dgm:linClrLst meth="repeat">
-      <a:schemeClr val="lt1"/>
-    </dgm:linClrLst>
-    <dgm:effectClrLst/>
-    <dgm:txLinClrLst/>
-    <dgm:txFillClrLst/>
-    <dgm:txEffectClrLst/>
-  </dgm:styleLbl>
-  <dgm:styleLbl name="fgImgPlace1">
-    <dgm:fillClrLst meth="repeat">
-      <a:schemeClr val="accent2">
-        <a:tint val="50000"/>
-      </a:schemeClr>
-      <a:schemeClr val="accent3">
-        <a:tint val="50000"/>
-      </a:schemeClr>
-      <a:schemeClr val="accent4">
-        <a:tint val="50000"/>
-      </a:schemeClr>
-      <a:schemeClr val="accent5">
-        <a:tint val="50000"/>
-      </a:schemeClr>
-      <a:schemeClr val="accent6">
-        <a:tint val="50000"/>
-      </a:schemeClr>
-    </dgm:fillClrLst>
-    <dgm:linClrLst meth="repeat">
-      <a:schemeClr val="lt1"/>
-    </dgm:linClrLst>
-    <dgm:effectClrLst/>
-    <dgm:txLinClrLst/>
-    <dgm:txFillClrLst meth="repeat">
-      <a:schemeClr val="lt1"/>
-    </dgm:txFillClrLst>
-    <dgm:txEffectClrLst/>
-  </dgm:styleLbl>
-  <dgm:styleLbl name="alignImgPlace1">
-    <dgm:fillClrLst>
-      <a:schemeClr val="accent1">
-        <a:tint val="50000"/>
-      </a:schemeClr>
-      <a:schemeClr val="accent2">
-        <a:tint val="20000"/>
-      </a:schemeClr>
-    </dgm:fillClrLst>
-    <dgm:linClrLst meth="repeat">
-      <a:schemeClr val="lt1"/>
-    </dgm:linClrLst>
-    <dgm:effectClrLst/>
-    <dgm:txLinClrLst/>
-    <dgm:txFillClrLst meth="repeat">
-      <a:schemeClr val="lt1"/>
-    </dgm:txFillClrLst>
-    <dgm:txEffectClrLst/>
-  </dgm:styleLbl>
-  <dgm:styleLbl name="bgImgPlace1">
-    <dgm:fillClrLst>
-      <a:schemeClr val="accent1">
-        <a:tint val="50000"/>
-      </a:schemeClr>
-      <a:schemeClr val="accent2">
-        <a:tint val="20000"/>
-      </a:schemeClr>
-    </dgm:fillClrLst>
-    <dgm:linClrLst meth="repeat">
-      <a:schemeClr val="lt1"/>
-    </dgm:linClrLst>
-    <dgm:effectClrLst/>
-    <dgm:txLinClrLst/>
-    <dgm:txFillClrLst meth="repeat">
-      <a:schemeClr val="lt1"/>
-    </dgm:txFillClrLst>
-    <dgm:txEffectClrLst/>
-  </dgm:styleLbl>
-  <dgm:styleLbl name="sibTrans2D1">
-    <dgm:fillClrLst meth="repeat">
-      <a:schemeClr val="accent2"/>
-      <a:schemeClr val="accent3"/>
-      <a:schemeClr val="accent4"/>
-      <a:schemeClr val="accent5"/>
-      <a:schemeClr val="accent6"/>
-    </dgm:fillClrLst>
-    <dgm:linClrLst meth="cycle">
-      <a:schemeClr val="lt1"/>
-    </dgm:linClrLst>
-    <dgm:effectClrLst/>
-    <dgm:txLinClrLst/>
-    <dgm:txFillClrLst/>
-    <dgm:txEffectClrLst/>
-  </dgm:styleLbl>
-  <dgm:styleLbl name="fgSibTrans2D1">
-    <dgm:fillClrLst meth="repeat">
-      <a:schemeClr val="accent2"/>
-      <a:schemeClr val="accent3"/>
-      <a:schemeClr val="accent4"/>
-      <a:schemeClr val="accent5"/>
-      <a:schemeClr val="accent6"/>
-    </dgm:fillClrLst>
-    <dgm:linClrLst meth="cycle">
-      <a:schemeClr val="lt1"/>
-    </dgm:linClrLst>
-    <dgm:effectClrLst/>
-    <dgm:txLinClrLst/>
-    <dgm:txFillClrLst meth="repeat">
-      <a:schemeClr val="lt1"/>
-    </dgm:txFillClrLst>
-    <dgm:txEffectClrLst/>
-  </dgm:styleLbl>
-  <dgm:styleLbl name="bgSibTrans2D1">
-    <dgm:fillClrLst meth="repeat">
-      <a:schemeClr val="accent2"/>
-      <a:schemeClr val="accent3"/>
-      <a:schemeClr val="accent4"/>
-      <a:schemeClr val="accent5"/>
-      <a:schemeClr val="accent6"/>
-    </dgm:fillClrLst>
-    <dgm:linClrLst meth="cycle">
-      <a:schemeClr val="lt1"/>
-    </dgm:linClrLst>
-    <dgm:effectClrLst/>
-    <dgm:txLinClrLst/>
-    <dgm:txFillClrLst meth="repeat">
-      <a:schemeClr val="lt1"/>
-    </dgm:txFillClrLst>
-    <dgm:txEffectClrLst/>
-  </dgm:styleLbl>
-  <dgm:styleLbl name="sibTrans1D1">
-    <dgm:fillClrLst meth="repeat">
-      <a:schemeClr val="accent2"/>
-      <a:schemeClr val="accent3"/>
-      <a:schemeClr val="accent4"/>
-      <a:schemeClr val="accent5"/>
-      <a:schemeClr val="accent6"/>
-    </dgm:fillClrLst>
-    <dgm:linClrLst meth="repeat">
-      <a:schemeClr val="accent2"/>
-      <a:schemeClr val="accent3"/>
-      <a:schemeClr val="accent4"/>
-      <a:schemeClr val="accent5"/>
-      <a:schemeClr val="accent6"/>
-    </dgm:linClrLst>
-    <dgm:effectClrLst/>
-    <dgm:txLinClrLst/>
-    <dgm:txFillClrLst meth="repeat">
-      <a:schemeClr val="tx1"/>
-    </dgm:txFillClrLst>
-    <dgm:txEffectClrLst/>
-  </dgm:styleLbl>
-  <dgm:styleLbl name="callout">
-    <dgm:fillClrLst meth="repeat">
-      <a:schemeClr val="accent2"/>
-    </dgm:fillClrLst>
-    <dgm:linClrLst meth="repeat">
-      <a:schemeClr val="accent2">
-        <a:tint val="50000"/>
-      </a:schemeClr>
-    </dgm:linClrLst>
-    <dgm:effectClrLst/>
-    <dgm:txLinClrLst/>
-    <dgm:txFillClrLst meth="repeat">
-      <a:schemeClr val="tx1"/>
-    </dgm:txFillClrLst>
-    <dgm:txEffectClrLst/>
-  </dgm:styleLbl>
-  <dgm:styleLbl name="asst0">
-    <dgm:fillClrLst meth="repeat">
-      <a:schemeClr val="accent1"/>
-    </dgm:fillClrLst>
-    <dgm:linClrLst meth="repeat">
-      <a:schemeClr val="lt1"/>
-    </dgm:linClrLst>
-    <dgm:effectClrLst/>
-    <dgm:txLinClrLst/>
-    <dgm:txFillClrLst/>
-    <dgm:txEffectClrLst/>
-  </dgm:styleLbl>
-  <dgm:styleLbl name="asst1">
-    <dgm:fillClrLst meth="repeat">
-      <a:schemeClr val="accent2"/>
-    </dgm:fillClrLst>
-    <dgm:linClrLst meth="repeat">
-      <a:schemeClr val="lt1"/>
-    </dgm:linClrLst>
-    <dgm:effectClrLst/>
-    <dgm:txLinClrLst/>
-    <dgm:txFillClrLst/>
-    <dgm:txEffectClrLst/>
-  </dgm:styleLbl>
-  <dgm:styleLbl name="asst2">
-    <dgm:fillClrLst>
-      <a:schemeClr val="accent3"/>
-    </dgm:fillClrLst>
-    <dgm:linClrLst meth="repeat">
-      <a:schemeClr val="lt1"/>
-    </dgm:linClrLst>
-    <dgm:effectClrLst/>
-    <dgm:txLinClrLst/>
-    <dgm:txFillClrLst/>
-    <dgm:txEffectClrLst/>
-  </dgm:styleLbl>
-  <dgm:styleLbl name="asst3">
-    <dgm:fillClrLst>
-      <a:schemeClr val="accent4"/>
-    </dgm:fillClrLst>
-    <dgm:linClrLst meth="repeat">
-      <a:schemeClr val="lt1"/>
-    </dgm:linClrLst>
-    <dgm:effectClrLst/>
-    <dgm:txLinClrLst/>
-    <dgm:txFillClrLst/>
-    <dgm:txEffectClrLst/>
-  </dgm:styleLbl>
-  <dgm:styleLbl name="asst4">
-    <dgm:fillClrLst>
-      <a:schemeClr val="accent5"/>
-    </dgm:fillClrLst>
-    <dgm:linClrLst meth="repeat">
-      <a:schemeClr val="lt1"/>
-    </dgm:linClrLst>
-    <dgm:effectClrLst/>
-    <dgm:txLinClrLst/>
-    <dgm:txFillClrLst/>
-    <dgm:txEffectClrLst/>
-  </dgm:styleLbl>
-  <dgm:styleLbl name="parChTrans2D1">
-    <dgm:fillClrLst meth="repeat">
-      <a:schemeClr val="accent2"/>
-    </dgm:fillClrLst>
-    <dgm:linClrLst meth="repeat">
-      <a:schemeClr val="lt1"/>
-    </dgm:linClrLst>
-    <dgm:effectClrLst/>
-    <dgm:txLinClrLst/>
-    <dgm:txFillClrLst meth="repeat">
-      <a:schemeClr val="lt1"/>
-    </dgm:txFillClrLst>
-    <dgm:txEffectClrLst/>
-  </dgm:styleLbl>
-  <dgm:styleLbl name="parChTrans2D2">
-    <dgm:fillClrLst meth="repeat">
-      <a:schemeClr val="accent3"/>
-    </dgm:fillClrLst>
-    <dgm:linClrLst meth="repeat">
-      <a:schemeClr val="lt1"/>
-    </dgm:linClrLst>
-    <dgm:effectClrLst/>
-    <dgm:txLinClrLst/>
-    <dgm:txFillClrLst/>
-    <dgm:txEffectClrLst/>
-  </dgm:styleLbl>
-  <dgm:styleLbl name="parChTrans2D3">
-    <dgm:fillClrLst meth="repeat">
-      <a:schemeClr val="accent4"/>
-    </dgm:fillClrLst>
-    <dgm:linClrLst meth="repeat">
-      <a:schemeClr val="lt1"/>
-    </dgm:linClrLst>
-    <dgm:effectClrLst/>
-    <dgm:txLinClrLst/>
-    <dgm:txFillClrLst/>
-    <dgm:txEffectClrLst/>
-  </dgm:styleLbl>
-  <dgm:styleLbl name="parChTrans2D4">
-    <dgm:fillClrLst meth="repeat">
-      <a:schemeClr val="accent5"/>
-    </dgm:fillClrLst>
-    <dgm:linClrLst meth="repeat">
-      <a:schemeClr val="lt1"/>
-    </dgm:linClrLst>
-    <dgm:effectClrLst/>
-    <dgm:txLinClrLst/>
-    <dgm:txFillClrLst meth="repeat">
-      <a:schemeClr val="lt1"/>
-    </dgm:txFillClrLst>
-    <dgm:txEffectClrLst/>
-  </dgm:styleLbl>
-  <dgm:styleLbl name="parChTrans1D1">
-    <dgm:fillClrLst meth="repeat">
-      <a:schemeClr val="accent2"/>
-    </dgm:fillClrLst>
-    <dgm:linClrLst meth="repeat">
-      <a:schemeClr val="accent1"/>
-    </dgm:linClrLst>
-    <dgm:effectClrLst/>
-    <dgm:txLinClrLst/>
-    <dgm:txFillClrLst meth="repeat">
-      <a:schemeClr val="tx1"/>
-    </dgm:txFillClrLst>
-    <dgm:txEffectClrLst/>
-  </dgm:styleLbl>
-  <dgm:styleLbl name="parChTrans1D2">
-    <dgm:fillClrLst meth="repeat">
-      <a:schemeClr val="accent3">
-        <a:tint val="90000"/>
-      </a:schemeClr>
-    </dgm:fillClrLst>
-    <dgm:linClrLst meth="repeat">
-      <a:schemeClr val="accent2"/>
-    </dgm:linClrLst>
-    <dgm:effectClrLst/>
-    <dgm:txLinClrLst/>
-    <dgm:txFillClrLst meth="repeat">
-      <a:schemeClr val="tx1"/>
-    </dgm:txFillClrLst>
-    <dgm:txEffectClrLst/>
-  </dgm:styleLbl>
-  <dgm:styleLbl name="parChTrans1D3">
-    <dgm:fillClrLst meth="repeat">
-      <a:schemeClr val="accent4">
-        <a:tint val="70000"/>
-      </a:schemeClr>
-    </dgm:fillClrLst>
-    <dgm:linClrLst meth="repeat">
-      <a:schemeClr val="accent3"/>
-    </dgm:linClrLst>
-    <dgm:effectClrLst/>
-    <dgm:txLinClrLst/>
-    <dgm:txFillClrLst meth="repeat">
-      <a:schemeClr val="tx1"/>
-    </dgm:txFillClrLst>
-    <dgm:txEffectClrLst/>
-  </dgm:styleLbl>
-  <dgm:styleLbl name="parChTrans1D4">
-    <dgm:fillClrLst meth="repeat">
-      <a:schemeClr val="accent5">
-        <a:tint val="50000"/>
-      </a:schemeClr>
-    </dgm:fillClrLst>
-    <dgm:linClrLst meth="repeat">
-      <a:schemeClr val="accent4"/>
-    </dgm:linClrLst>
-    <dgm:effectClrLst/>
-    <dgm:txLinClrLst/>
-    <dgm:txFillClrLst meth="repeat">
-      <a:schemeClr val="tx1"/>
-    </dgm:txFillClrLst>
-    <dgm:txEffectClrLst/>
-  </dgm:styleLbl>
-  <dgm:styleLbl name="fgAcc1">
-    <dgm:fillClrLst meth="repeat">
-      <a:schemeClr val="lt1">
-        <a:alpha val="90000"/>
-      </a:schemeClr>
-    </dgm:fillClrLst>
-    <dgm:linClrLst meth="repeat">
-      <a:schemeClr val="accent2"/>
-      <a:schemeClr val="accent3"/>
-      <a:schemeClr val="accent4"/>
-      <a:schemeClr val="accent5"/>
-      <a:schemeClr val="accent6"/>
-    </dgm:linClrLst>
-    <dgm:effectClrLst/>
-    <dgm:txLinClrLst/>
-    <dgm:txFillClrLst meth="repeat">
-      <a:schemeClr val="dk1"/>
-    </dgm:txFillClrLst>
-    <dgm:txEffectClrLst/>
-  </dgm:styleLbl>
-  <dgm:styleLbl name="conFgAcc1">
-    <dgm:fillClrLst meth="repeat">
-      <a:schemeClr val="lt1">
-        <a:alpha val="90000"/>
-      </a:schemeClr>
-    </dgm:fillClrLst>
-    <dgm:linClrLst meth="repeat">
-      <a:schemeClr val="accent2"/>
-      <a:schemeClr val="accent3"/>
-      <a:schemeClr val="accent4"/>
-      <a:schemeClr val="accent5"/>
-      <a:schemeClr val="accent6"/>
-    </dgm:linClrLst>
-    <dgm:effectClrLst/>
-    <dgm:txLinClrLst/>
-    <dgm:txFillClrLst meth="repeat">
-      <a:schemeClr val="dk1"/>
-    </dgm:txFillClrLst>
-    <dgm:txEffectClrLst/>
-  </dgm:styleLbl>
-  <dgm:styleLbl name="alignAcc1">
-    <dgm:fillClrLst meth="repeat">
-      <a:schemeClr val="lt1">
-        <a:alpha val="90000"/>
-      </a:schemeClr>
-    </dgm:fillClrLst>
-    <dgm:linClrLst meth="repeat">
-      <a:schemeClr val="accent2"/>
-      <a:schemeClr val="accent3"/>
-      <a:schemeClr val="accent4"/>
-      <a:schemeClr val="accent5"/>
-      <a:schemeClr val="accent6"/>
-    </dgm:linClrLst>
-    <dgm:effectClrLst/>
-    <dgm:txLinClrLst/>
-    <dgm:txFillClrLst meth="repeat">
-      <a:schemeClr val="dk1"/>
-    </dgm:txFillClrLst>
-    <dgm:txEffectClrLst/>
-  </dgm:styleLbl>
-  <dgm:styleLbl name="trAlignAcc1">
-    <dgm:fillClrLst meth="repeat">
-      <a:schemeClr val="lt1">
-        <a:alpha val="40000"/>
-      </a:schemeClr>
-    </dgm:fillClrLst>
-    <dgm:linClrLst meth="repeat">
-      <a:schemeClr val="accent1"/>
-    </dgm:linClrLst>
-    <dgm:effectClrLst/>
-    <dgm:txLinClrLst/>
-    <dgm:txFillClrLst meth="repeat">
-      <a:schemeClr val="dk1"/>
-    </dgm:txFillClrLst>
-    <dgm:txEffectClrLst/>
-  </dgm:styleLbl>
-  <dgm:styleLbl name="bgAcc1">
-    <dgm:fillClrLst meth="repeat">
-      <a:schemeClr val="lt1">
-        <a:alpha val="90000"/>
-      </a:schemeClr>
-    </dgm:fillClrLst>
-    <dgm:linClrLst meth="repeat">
-      <a:schemeClr val="accent2"/>
-      <a:schemeClr val="accent3"/>
-      <a:schemeClr val="accent4"/>
-      <a:schemeClr val="accent5"/>
-      <a:schemeClr val="accent6"/>
-    </dgm:linClrLst>
-    <dgm:effectClrLst/>
-    <dgm:txLinClrLst/>
-    <dgm:txFillClrLst meth="repeat">
-      <a:schemeClr val="dk1"/>
-    </dgm:txFillClrLst>
-    <dgm:txEffectClrLst/>
-  </dgm:styleLbl>
-  <dgm:styleLbl name="solidFgAcc1">
-    <dgm:fillClrLst meth="repeat">
-      <a:schemeClr val="lt1"/>
-    </dgm:fillClrLst>
-    <dgm:linClrLst meth="repeat">
-      <a:schemeClr val="accent2"/>
-      <a:schemeClr val="accent3"/>
-      <a:schemeClr val="accent4"/>
-      <a:schemeClr val="accent5"/>
-      <a:schemeClr val="accent6"/>
-    </dgm:linClrLst>
-    <dgm:effectClrLst/>
-    <dgm:txLinClrLst/>
-    <dgm:txFillClrLst meth="repeat">
-      <a:schemeClr val="dk1"/>
-    </dgm:txFillClrLst>
-    <dgm:txEffectClrLst/>
-  </dgm:styleLbl>
-  <dgm:styleLbl name="solidAlignAcc1">
-    <dgm:fillClrLst meth="repeat">
-      <a:schemeClr val="lt1"/>
-    </dgm:fillClrLst>
-    <dgm:linClrLst meth="repeat">
-      <a:schemeClr val="accent2"/>
-      <a:schemeClr val="accent3"/>
-      <a:schemeClr val="accent4"/>
-      <a:schemeClr val="accent5"/>
-      <a:schemeClr val="accent6"/>
-    </dgm:linClrLst>
-    <dgm:effectClrLst/>
-    <dgm:txLinClrLst/>
-    <dgm:txFillClrLst meth="repeat">
-      <a:schemeClr val="dk1"/>
-    </dgm:txFillClrLst>
-    <dgm:txEffectClrLst/>
-  </dgm:styleLbl>
-  <dgm:styleLbl name="solidBgAcc1">
-    <dgm:fillClrLst meth="repeat">
-      <a:schemeClr val="lt1"/>
-    </dgm:fillClrLst>
-    <dgm:linClrLst meth="repeat">
-      <a:schemeClr val="accent2"/>
-      <a:schemeClr val="accent3"/>
-      <a:schemeClr val="accent4"/>
-      <a:schemeClr val="accent5"/>
-      <a:schemeClr val="accent6"/>
-    </dgm:linClrLst>
-    <dgm:effectClrLst/>
-    <dgm:txLinClrLst/>
-    <dgm:txFillClrLst meth="repeat">
-      <a:schemeClr val="dk1"/>
-    </dgm:txFillClrLst>
-    <dgm:txEffectClrLst/>
-  </dgm:styleLbl>
-  <dgm:styleLbl name="fgAccFollowNode1">
-    <dgm:fillClrLst meth="repeat">
-      <a:schemeClr val="accent2">
-        <a:tint val="40000"/>
-        <a:alpha val="90000"/>
-      </a:schemeClr>
-      <a:schemeClr val="accent3">
-        <a:tint val="40000"/>
-        <a:alpha val="90000"/>
-      </a:schemeClr>
-      <a:schemeClr val="accent4">
-        <a:tint val="40000"/>
-        <a:alpha val="90000"/>
-      </a:schemeClr>
-      <a:schemeClr val="accent5">
-        <a:tint val="40000"/>
-        <a:alpha val="90000"/>
-      </a:schemeClr>
-      <a:schemeClr val="accent6">
-        <a:tint val="40000"/>
-        <a:alpha val="90000"/>
-      </a:schemeClr>
-    </dgm:fillClrLst>
-    <dgm:linClrLst meth="repeat">
-      <a:schemeClr val="accent2">
-        <a:tint val="40000"/>
-        <a:alpha val="90000"/>
-      </a:schemeClr>
-      <a:schemeClr val="accent3">
-        <a:tint val="40000"/>
-        <a:alpha val="90000"/>
-      </a:schemeClr>
-      <a:schemeClr val="accent4">
-        <a:tint val="40000"/>
-        <a:alpha val="90000"/>
-      </a:schemeClr>
-      <a:schemeClr val="accent5">
-        <a:tint val="40000"/>
-        <a:alpha val="90000"/>
-      </a:schemeClr>
-      <a:schemeClr val="accent6">
-        <a:tint val="40000"/>
-        <a:alpha val="90000"/>
-      </a:schemeClr>
-    </dgm:linClrLst>
-    <dgm:effectClrLst/>
-    <dgm:txLinClrLst/>
-    <dgm:txFillClrLst meth="repeat">
-      <a:schemeClr val="dk1"/>
-    </dgm:txFillClrLst>
-    <dgm:txEffectClrLst/>
-  </dgm:styleLbl>
-  <dgm:styleLbl name="alignAccFollowNode1">
-    <dgm:fillClrLst meth="repeat">
-      <a:schemeClr val="accent2">
-        <a:tint val="40000"/>
-        <a:alpha val="90000"/>
-      </a:schemeClr>
-      <a:schemeClr val="accent3">
-        <a:tint val="40000"/>
-        <a:alpha val="90000"/>
-      </a:schemeClr>
-      <a:schemeClr val="accent4">
-        <a:tint val="40000"/>
-        <a:alpha val="90000"/>
-      </a:schemeClr>
-      <a:schemeClr val="accent5">
-        <a:tint val="40000"/>
-        <a:alpha val="90000"/>
-      </a:schemeClr>
-      <a:schemeClr val="accent6">
-        <a:tint val="40000"/>
-        <a:alpha val="90000"/>
-      </a:schemeClr>
-    </dgm:fillClrLst>
-    <dgm:linClrLst meth="repeat">
-      <a:schemeClr val="accent2">
-        <a:tint val="40000"/>
-        <a:alpha val="90000"/>
-      </a:schemeClr>
-      <a:schemeClr val="accent3">
-        <a:tint val="40000"/>
-        <a:alpha val="90000"/>
-      </a:schemeClr>
-      <a:schemeClr val="accent4">
-        <a:tint val="40000"/>
-        <a:alpha val="90000"/>
-      </a:schemeClr>
-      <a:schemeClr val="accent5">
-        <a:tint val="40000"/>
-        <a:alpha val="90000"/>
-      </a:schemeClr>
-      <a:schemeClr val="accent6">
-        <a:tint val="40000"/>
-        <a:alpha val="90000"/>
-      </a:schemeClr>
-    </dgm:linClrLst>
-    <dgm:effectClrLst/>
-    <dgm:txLinClrLst/>
-    <dgm:txFillClrLst meth="repeat">
-      <a:schemeClr val="dk1"/>
-    </dgm:txFillClrLst>
-    <dgm:txEffectClrLst/>
-  </dgm:styleLbl>
-  <dgm:styleLbl name="bgAccFollowNode1">
-    <dgm:fillClrLst meth="repeat">
-      <a:schemeClr val="accent2">
-        <a:tint val="40000"/>
-        <a:alpha val="90000"/>
-      </a:schemeClr>
-      <a:schemeClr val="accent3">
-        <a:tint val="40000"/>
-        <a:alpha val="90000"/>
-      </a:schemeClr>
-      <a:schemeClr val="accent4">
-        <a:tint val="40000"/>
-        <a:alpha val="90000"/>
-      </a:schemeClr>
-      <a:schemeClr val="accent5">
-        <a:tint val="40000"/>
-        <a:alpha val="90000"/>
-      </a:schemeClr>
-      <a:schemeClr val="accent6">
-        <a:tint val="40000"/>
-        <a:alpha val="90000"/>
-      </a:schemeClr>
-    </dgm:fillClrLst>
-    <dgm:linClrLst meth="repeat">
-      <a:schemeClr val="accent2">
-        <a:tint val="40000"/>
-        <a:alpha val="90000"/>
-      </a:schemeClr>
-      <a:schemeClr val="accent3">
-        <a:tint val="40000"/>
-        <a:alpha val="90000"/>
-      </a:schemeClr>
-      <a:schemeClr val="accent4">
-        <a:tint val="40000"/>
-        <a:alpha val="90000"/>
-      </a:schemeClr>
-      <a:schemeClr val="accent5">
-        <a:tint val="40000"/>
-        <a:alpha val="90000"/>
-      </a:schemeClr>
-      <a:schemeClr val="accent6">
-        <a:tint val="40000"/>
-        <a:alpha val="90000"/>
-      </a:schemeClr>
-    </dgm:linClrLst>
-    <dgm:effectClrLst/>
-    <dgm:txLinClrLst/>
-    <dgm:txFillClrLst meth="repeat">
-      <a:schemeClr val="dk1"/>
-    </dgm:txFillClrLst>
-    <dgm:txEffectClrLst/>
-  </dgm:styleLbl>
-  <dgm:styleLbl name="fgAcc0">
-    <dgm:fillClrLst meth="repeat">
-      <a:schemeClr val="lt1">
-        <a:alpha val="90000"/>
-      </a:schemeClr>
-    </dgm:fillClrLst>
-    <dgm:linClrLst>
-      <a:schemeClr val="accent1"/>
-    </dgm:linClrLst>
-    <dgm:effectClrLst/>
-    <dgm:txLinClrLst/>
-    <dgm:txFillClrLst meth="repeat">
-      <a:schemeClr val="dk1"/>
-    </dgm:txFillClrLst>
-    <dgm:txEffectClrLst/>
-  </dgm:styleLbl>
-  <dgm:styleLbl name="fgAcc2">
-    <dgm:fillClrLst meth="repeat">
-      <a:schemeClr val="lt1">
-        <a:alpha val="90000"/>
-      </a:schemeClr>
-    </dgm:fillClrLst>
-    <dgm:linClrLst>
-      <a:schemeClr val="accent2"/>
-    </dgm:linClrLst>
-    <dgm:effectClrLst/>
-    <dgm:txLinClrLst/>
-    <dgm:txFillClrLst meth="repeat">
-      <a:schemeClr val="dk1"/>
-    </dgm:txFillClrLst>
-    <dgm:txEffectClrLst/>
-  </dgm:styleLbl>
-  <dgm:styleLbl name="fgAcc3">
-    <dgm:fillClrLst meth="repeat">
-      <a:schemeClr val="lt1">
-        <a:alpha val="90000"/>
-      </a:schemeClr>
-    </dgm:fillClrLst>
-    <dgm:linClrLst>
-      <a:schemeClr val="accent3"/>
-    </dgm:linClrLst>
-    <dgm:effectClrLst/>
-    <dgm:txLinClrLst/>
-    <dgm:txFillClrLst meth="repeat">
-      <a:schemeClr val="dk1"/>
-    </dgm:txFillClrLst>
-    <dgm:txEffectClrLst/>
-  </dgm:styleLbl>
-  <dgm:styleLbl name="fgAcc4">
-    <dgm:fillClrLst meth="repeat">
-      <a:schemeClr val="lt1">
-        <a:alpha val="90000"/>
-      </a:schemeClr>
-    </dgm:fillClrLst>
-    <dgm:linClrLst>
-      <a:schemeClr val="accent4"/>
-    </dgm:linClrLst>
-    <dgm:effectClrLst/>
-    <dgm:txLinClrLst/>
-    <dgm:txFillClrLst meth="repeat">
-      <a:schemeClr val="dk1"/>
-    </dgm:txFillClrLst>
-    <dgm:txEffectClrLst/>
-  </dgm:styleLbl>
-  <dgm:styleLbl name="bgShp">
-    <dgm:fillClrLst meth="repeat">
-      <a:schemeClr val="accent2">
-        <a:tint val="40000"/>
-      </a:schemeClr>
-    </dgm:fillClrLst>
-    <dgm:linClrLst meth="repeat">
-      <a:schemeClr val="dk1"/>
-    </dgm:linClrLst>
-    <dgm:effectClrLst/>
-    <dgm:txLinClrLst/>
-    <dgm:txFillClrLst meth="repeat">
-      <a:schemeClr val="dk1"/>
-    </dgm:txFillClrLst>
-    <dgm:txEffectClrLst/>
-  </dgm:styleLbl>
-  <dgm:styleLbl name="dkBgShp">
-    <dgm:fillClrLst meth="repeat">
-      <a:schemeClr val="accent2">
-        <a:shade val="90000"/>
-      </a:schemeClr>
-    </dgm:fillClrLst>
-    <dgm:linClrLst meth="repeat">
-      <a:schemeClr val="dk1"/>
-    </dgm:linClrLst>
-    <dgm:effectClrLst/>
-    <dgm:txLinClrLst/>
-    <dgm:txFillClrLst meth="repeat">
-      <a:schemeClr val="lt1"/>
-    </dgm:txFillClrLst>
-    <dgm:txEffectClrLst/>
-  </dgm:styleLbl>
-  <dgm:styleLbl name="trBgShp">
-    <dgm:fillClrLst meth="repeat">
-      <a:schemeClr val="accent1">
-        <a:tint val="50000"/>
-        <a:alpha val="40000"/>
-      </a:schemeClr>
-    </dgm:fillClrLst>
-    <dgm:linClrLst meth="repeat">
-      <a:schemeClr val="accent2"/>
-    </dgm:linClrLst>
-    <dgm:effectClrLst/>
-    <dgm:txLinClrLst/>
-    <dgm:txFillClrLst meth="repeat">
-      <a:schemeClr val="lt1"/>
-    </dgm:txFillClrLst>
-    <dgm:txEffectClrLst/>
-  </dgm:styleLbl>
-  <dgm:styleLbl name="fgShp">
-    <dgm:fillClrLst meth="repeat">
-      <a:schemeClr val="accent2">
-        <a:tint val="40000"/>
-      </a:schemeClr>
-    </dgm:fillClrLst>
-    <dgm:linClrLst meth="repeat">
-      <a:schemeClr val="lt1"/>
-    </dgm:linClrLst>
-    <dgm:effectClrLst/>
-    <dgm:txLinClrLst/>
-    <dgm:txFillClrLst meth="repeat">
-      <a:schemeClr val="dk1"/>
-    </dgm:txFillClrLst>
-    <dgm:txEffectClrLst/>
-  </dgm:styleLbl>
-  <dgm:styleLbl name="revTx">
-    <dgm:fillClrLst meth="repeat">
-      <a:schemeClr val="lt1">
-        <a:alpha val="0"/>
-      </a:schemeClr>
-    </dgm:fillClrLst>
-    <dgm:linClrLst meth="repeat">
-      <a:schemeClr val="dk1">
-        <a:alpha val="0"/>
-      </a:schemeClr>
-    </dgm:linClrLst>
-    <dgm:effectClrLst/>
-    <dgm:txLinClrLst/>
-    <dgm:txFillClrLst meth="repeat">
-      <a:schemeClr val="tx1"/>
-    </dgm:txFillClrLst>
-    <dgm:txEffectClrLst/>
-  </dgm:styleLbl>
-</dgm:colorsDef>
-</file>
-
 <file path=ppt/diagrams/data1.xml><?xml version="1.0" encoding="utf-8"?>
 <dgm:dataModel xmlns:dgm="http://schemas.openxmlformats.org/drawingml/2006/diagram" xmlns:a="http://schemas.openxmlformats.org/drawingml/2006/main">
   <dgm:ptLst>
@@ -4531,111 +3617,6 @@
     <dgm:cxn modelId="{2C22DEC6-2BF2-4B42-A41A-9629EA73D0BF}" type="presParOf" srcId="{8285E523-9D82-4DA8-B8BA-26077687317C}" destId="{0DB290A2-511B-41D2-89B8-B5A2B2A9556C}" srcOrd="8" destOrd="0" presId="urn:microsoft.com/office/officeart/2005/8/layout/vList2"/>
     <dgm:cxn modelId="{127E3606-5C3A-48E5-A4AC-6ADB9B23F2EE}" type="presParOf" srcId="{8285E523-9D82-4DA8-B8BA-26077687317C}" destId="{6644D874-39F3-4D15-84C8-BAE32C831981}" srcOrd="9" destOrd="0" presId="urn:microsoft.com/office/officeart/2005/8/layout/vList2"/>
     <dgm:cxn modelId="{CC3511B2-9C3B-4901-8777-89B89D1A4172}" type="presParOf" srcId="{8285E523-9D82-4DA8-B8BA-26077687317C}" destId="{E6F8052D-3C7E-4CA9-B499-5685CD3D5024}" srcOrd="10" destOrd="0" presId="urn:microsoft.com/office/officeart/2005/8/layout/vList2"/>
-  </dgm:cxnLst>
-  <dgm:bg/>
-  <dgm:whole/>
-  <dgm:extLst>
-    <a:ext uri="http://schemas.microsoft.com/office/drawing/2008/diagram">
-      <dsp:dataModelExt xmlns:dsp="http://schemas.microsoft.com/office/drawing/2008/diagram" relId="rId6" minVer="http://schemas.openxmlformats.org/drawingml/2006/diagram"/>
-    </a:ext>
-  </dgm:extLst>
-</dgm:dataModel>
-</file>
-
-<file path=ppt/diagrams/data3.xml><?xml version="1.0" encoding="utf-8"?>
-<dgm:dataModel xmlns:dgm="http://schemas.openxmlformats.org/drawingml/2006/diagram" xmlns:a="http://schemas.openxmlformats.org/drawingml/2006/main">
-  <dgm:ptLst>
-    <dgm:pt modelId="{F2C96D23-9176-4F6C-B0F3-7E917C8BA300}" type="doc">
-      <dgm:prSet loTypeId="urn:microsoft.com/office/officeart/2008/layout/LinedList" loCatId="list" qsTypeId="urn:microsoft.com/office/officeart/2005/8/quickstyle/simple4" qsCatId="simple" csTypeId="urn:microsoft.com/office/officeart/2005/8/colors/colorful1" csCatId="colorful" phldr="1"/>
-      <dgm:spPr/>
-      <dgm:t>
-        <a:bodyPr/>
-        <a:lstStyle/>
-        <a:p>
-          <a:endParaRPr lang="en-US"/>
-        </a:p>
-      </dgm:t>
-    </dgm:pt>
-    <dgm:pt modelId="{5619F34D-28CE-4C4E-BCC3-DC0E0B78EE6F}">
-      <dgm:prSet/>
-      <dgm:spPr/>
-      <dgm:t>
-        <a:bodyPr/>
-        <a:lstStyle/>
-        <a:p>
-          <a:r>
-            <a:rPr lang="en-US" dirty="0">
-              <a:hlinkClick xmlns:r="http://schemas.openxmlformats.org/officeDocument/2006/relationships" r:id="rId1"/>
-            </a:rPr>
-            <a:t>https://avopsfoxglovestudio.azurewebsites.net/</a:t>
-          </a:r>
-          <a:endParaRPr lang="en-US" dirty="0"/>
-        </a:p>
-        <a:p>
-          <a:endParaRPr lang="en-US" dirty="0"/>
-        </a:p>
-        <a:p>
-          <a:endParaRPr lang="en-US" dirty="0"/>
-        </a:p>
-      </dgm:t>
-    </dgm:pt>
-    <dgm:pt modelId="{2E62AF73-36A9-4D9D-9FDA-C637B9B91B50}" type="parTrans" cxnId="{A1EDDA15-9BBA-4D28-924C-B4F459F14E8B}">
-      <dgm:prSet/>
-      <dgm:spPr/>
-      <dgm:t>
-        <a:bodyPr/>
-        <a:lstStyle/>
-        <a:p>
-          <a:endParaRPr lang="en-US"/>
-        </a:p>
-      </dgm:t>
-    </dgm:pt>
-    <dgm:pt modelId="{78570F9C-1F27-48E7-972A-478A11BFBA73}" type="sibTrans" cxnId="{A1EDDA15-9BBA-4D28-924C-B4F459F14E8B}">
-      <dgm:prSet/>
-      <dgm:spPr/>
-      <dgm:t>
-        <a:bodyPr/>
-        <a:lstStyle/>
-        <a:p>
-          <a:endParaRPr lang="en-US"/>
-        </a:p>
-      </dgm:t>
-    </dgm:pt>
-    <dgm:pt modelId="{AF6E857E-8B47-4645-96BA-36909163B916}" type="pres">
-      <dgm:prSet presAssocID="{F2C96D23-9176-4F6C-B0F3-7E917C8BA300}" presName="vert0" presStyleCnt="0">
-        <dgm:presLayoutVars>
-          <dgm:dir/>
-          <dgm:animOne val="branch"/>
-          <dgm:animLvl val="lvl"/>
-        </dgm:presLayoutVars>
-      </dgm:prSet>
-      <dgm:spPr/>
-    </dgm:pt>
-    <dgm:pt modelId="{80771C03-DA3F-4024-B0C1-5542A0B2C08C}" type="pres">
-      <dgm:prSet presAssocID="{5619F34D-28CE-4C4E-BCC3-DC0E0B78EE6F}" presName="thickLine" presStyleLbl="alignNode1" presStyleIdx="0" presStyleCnt="1"/>
-      <dgm:spPr/>
-    </dgm:pt>
-    <dgm:pt modelId="{777A74BA-D4BD-4E89-BECE-57D2AF74B6CB}" type="pres">
-      <dgm:prSet presAssocID="{5619F34D-28CE-4C4E-BCC3-DC0E0B78EE6F}" presName="horz1" presStyleCnt="0"/>
-      <dgm:spPr/>
-    </dgm:pt>
-    <dgm:pt modelId="{EA0142F8-B6A2-463B-B8B3-43380E192358}" type="pres">
-      <dgm:prSet presAssocID="{5619F34D-28CE-4C4E-BCC3-DC0E0B78EE6F}" presName="tx1" presStyleLbl="revTx" presStyleIdx="0" presStyleCnt="1"/>
-      <dgm:spPr/>
-    </dgm:pt>
-    <dgm:pt modelId="{626D4334-C383-4551-A17E-4CAE7E123883}" type="pres">
-      <dgm:prSet presAssocID="{5619F34D-28CE-4C4E-BCC3-DC0E0B78EE6F}" presName="vert1" presStyleCnt="0"/>
-      <dgm:spPr/>
-    </dgm:pt>
-  </dgm:ptLst>
-  <dgm:cxnLst>
-    <dgm:cxn modelId="{A1EDDA15-9BBA-4D28-924C-B4F459F14E8B}" srcId="{F2C96D23-9176-4F6C-B0F3-7E917C8BA300}" destId="{5619F34D-28CE-4C4E-BCC3-DC0E0B78EE6F}" srcOrd="0" destOrd="0" parTransId="{2E62AF73-36A9-4D9D-9FDA-C637B9B91B50}" sibTransId="{78570F9C-1F27-48E7-972A-478A11BFBA73}"/>
-    <dgm:cxn modelId="{33C1E126-2D4F-4C01-A652-FA23BB053836}" type="presOf" srcId="{5619F34D-28CE-4C4E-BCC3-DC0E0B78EE6F}" destId="{EA0142F8-B6A2-463B-B8B3-43380E192358}" srcOrd="0" destOrd="0" presId="urn:microsoft.com/office/officeart/2008/layout/LinedList"/>
-    <dgm:cxn modelId="{CA8E2136-5729-4575-ABF5-7996DB4146AE}" type="presOf" srcId="{F2C96D23-9176-4F6C-B0F3-7E917C8BA300}" destId="{AF6E857E-8B47-4645-96BA-36909163B916}" srcOrd="0" destOrd="0" presId="urn:microsoft.com/office/officeart/2008/layout/LinedList"/>
-    <dgm:cxn modelId="{6CE283E4-2345-42A5-8737-D7B33C66E557}" type="presParOf" srcId="{AF6E857E-8B47-4645-96BA-36909163B916}" destId="{80771C03-DA3F-4024-B0C1-5542A0B2C08C}" srcOrd="0" destOrd="0" presId="urn:microsoft.com/office/officeart/2008/layout/LinedList"/>
-    <dgm:cxn modelId="{C4E0A525-2445-46DB-AD86-1E4E53ED1130}" type="presParOf" srcId="{AF6E857E-8B47-4645-96BA-36909163B916}" destId="{777A74BA-D4BD-4E89-BECE-57D2AF74B6CB}" srcOrd="1" destOrd="0" presId="urn:microsoft.com/office/officeart/2008/layout/LinedList"/>
-    <dgm:cxn modelId="{5822D2AA-1883-4E2B-B61D-5C163C2452EB}" type="presParOf" srcId="{777A74BA-D4BD-4E89-BECE-57D2AF74B6CB}" destId="{EA0142F8-B6A2-463B-B8B3-43380E192358}" srcOrd="0" destOrd="0" presId="urn:microsoft.com/office/officeart/2008/layout/LinedList"/>
-    <dgm:cxn modelId="{9019B3EF-3094-4641-A9C8-4BAA0ED68282}" type="presParOf" srcId="{777A74BA-D4BD-4E89-BECE-57D2AF74B6CB}" destId="{626D4334-C383-4551-A17E-4CAE7E123883}" srcOrd="1" destOrd="0" presId="urn:microsoft.com/office/officeart/2008/layout/LinedList"/>
   </dgm:cxnLst>
   <dgm:bg/>
   <dgm:whole/>
@@ -5967,191 +4948,6 @@
 </dsp:drawing>
 </file>
 
-<file path=ppt/diagrams/drawing3.xml><?xml version="1.0" encoding="utf-8"?>
-<dsp:drawing xmlns:dgm="http://schemas.openxmlformats.org/drawingml/2006/diagram" xmlns:dsp="http://schemas.microsoft.com/office/drawing/2008/diagram" xmlns:a="http://schemas.openxmlformats.org/drawingml/2006/main">
-  <dsp:spTree>
-    <dsp:nvGrpSpPr>
-      <dsp:cNvPr id="0" name=""/>
-      <dsp:cNvGrpSpPr/>
-    </dsp:nvGrpSpPr>
-    <dsp:grpSpPr/>
-    <dsp:sp modelId="{80771C03-DA3F-4024-B0C1-5542A0B2C08C}">
-      <dsp:nvSpPr>
-        <dsp:cNvPr id="0" name=""/>
-        <dsp:cNvSpPr/>
-      </dsp:nvSpPr>
-      <dsp:spPr>
-        <a:xfrm>
-          <a:off x="0" y="0"/>
-          <a:ext cx="6666833" cy="0"/>
-        </a:xfrm>
-        <a:prstGeom prst="line">
-          <a:avLst/>
-        </a:prstGeom>
-        <a:gradFill rotWithShape="0">
-          <a:gsLst>
-            <a:gs pos="0">
-              <a:schemeClr val="accent2">
-                <a:hueOff val="0"/>
-                <a:satOff val="0"/>
-                <a:lumOff val="0"/>
-                <a:alphaOff val="0"/>
-                <a:satMod val="103000"/>
-                <a:lumMod val="102000"/>
-                <a:tint val="94000"/>
-              </a:schemeClr>
-            </a:gs>
-            <a:gs pos="50000">
-              <a:schemeClr val="accent2">
-                <a:hueOff val="0"/>
-                <a:satOff val="0"/>
-                <a:lumOff val="0"/>
-                <a:alphaOff val="0"/>
-                <a:satMod val="110000"/>
-                <a:lumMod val="100000"/>
-                <a:shade val="100000"/>
-              </a:schemeClr>
-            </a:gs>
-            <a:gs pos="100000">
-              <a:schemeClr val="accent2">
-                <a:hueOff val="0"/>
-                <a:satOff val="0"/>
-                <a:lumOff val="0"/>
-                <a:alphaOff val="0"/>
-                <a:lumMod val="99000"/>
-                <a:satMod val="120000"/>
-                <a:shade val="78000"/>
-              </a:schemeClr>
-            </a:gs>
-          </a:gsLst>
-          <a:lin ang="5400000" scaled="0"/>
-        </a:gradFill>
-        <a:ln w="6350" cap="flat" cmpd="sng" algn="ctr">
-          <a:solidFill>
-            <a:schemeClr val="accent2">
-              <a:hueOff val="0"/>
-              <a:satOff val="0"/>
-              <a:lumOff val="0"/>
-              <a:alphaOff val="0"/>
-            </a:schemeClr>
-          </a:solidFill>
-          <a:prstDash val="solid"/>
-          <a:miter lim="800000"/>
-        </a:ln>
-        <a:effectLst/>
-      </dsp:spPr>
-      <dsp:style>
-        <a:lnRef idx="1">
-          <a:scrgbClr r="0" g="0" b="0"/>
-        </a:lnRef>
-        <a:fillRef idx="3">
-          <a:scrgbClr r="0" g="0" b="0"/>
-        </a:fillRef>
-        <a:effectRef idx="2">
-          <a:scrgbClr r="0" g="0" b="0"/>
-        </a:effectRef>
-        <a:fontRef idx="minor">
-          <a:schemeClr val="lt1"/>
-        </a:fontRef>
-      </dsp:style>
-    </dsp:sp>
-    <dsp:sp modelId="{EA0142F8-B6A2-463B-B8B3-43380E192358}">
-      <dsp:nvSpPr>
-        <dsp:cNvPr id="0" name=""/>
-        <dsp:cNvSpPr/>
-      </dsp:nvSpPr>
-      <dsp:spPr>
-        <a:xfrm>
-          <a:off x="0" y="0"/>
-          <a:ext cx="6666833" cy="5453920"/>
-        </a:xfrm>
-        <a:prstGeom prst="rect">
-          <a:avLst/>
-        </a:prstGeom>
-        <a:noFill/>
-        <a:ln>
-          <a:noFill/>
-        </a:ln>
-        <a:effectLst/>
-      </dsp:spPr>
-      <dsp:style>
-        <a:lnRef idx="0">
-          <a:scrgbClr r="0" g="0" b="0"/>
-        </a:lnRef>
-        <a:fillRef idx="0">
-          <a:scrgbClr r="0" g="0" b="0"/>
-        </a:fillRef>
-        <a:effectRef idx="0">
-          <a:scrgbClr r="0" g="0" b="0"/>
-        </a:effectRef>
-        <a:fontRef idx="minor"/>
-      </dsp:style>
-      <dsp:txBody>
-        <a:bodyPr spcFirstLastPara="0" vert="horz" wrap="square" lIns="99060" tIns="99060" rIns="99060" bIns="99060" numCol="1" spcCol="1270" anchor="t" anchorCtr="0">
-          <a:noAutofit/>
-        </a:bodyPr>
-        <a:lstStyle/>
-        <a:p>
-          <a:pPr marL="0" lvl="0" indent="0" algn="l" defTabSz="1155700">
-            <a:lnSpc>
-              <a:spcPct val="90000"/>
-            </a:lnSpc>
-            <a:spcBef>
-              <a:spcPct val="0"/>
-            </a:spcBef>
-            <a:spcAft>
-              <a:spcPct val="35000"/>
-            </a:spcAft>
-            <a:buNone/>
-          </a:pPr>
-          <a:r>
-            <a:rPr lang="en-US" sz="2600" kern="1200" dirty="0">
-              <a:hlinkClick xmlns:r="http://schemas.openxmlformats.org/officeDocument/2006/relationships" r:id="rId1"/>
-            </a:rPr>
-            <a:t>https://avopsfoxglovestudio.azurewebsites.net/</a:t>
-          </a:r>
-          <a:endParaRPr lang="en-US" sz="2600" kern="1200" dirty="0"/>
-        </a:p>
-        <a:p>
-          <a:pPr marL="0" lvl="0" indent="0" algn="l" defTabSz="1155700">
-            <a:lnSpc>
-              <a:spcPct val="90000"/>
-            </a:lnSpc>
-            <a:spcBef>
-              <a:spcPct val="0"/>
-            </a:spcBef>
-            <a:spcAft>
-              <a:spcPct val="35000"/>
-            </a:spcAft>
-            <a:buNone/>
-          </a:pPr>
-          <a:endParaRPr lang="en-US" sz="2600" kern="1200" dirty="0"/>
-        </a:p>
-        <a:p>
-          <a:pPr marL="0" lvl="0" indent="0" algn="l" defTabSz="1155700">
-            <a:lnSpc>
-              <a:spcPct val="90000"/>
-            </a:lnSpc>
-            <a:spcBef>
-              <a:spcPct val="0"/>
-            </a:spcBef>
-            <a:spcAft>
-              <a:spcPct val="35000"/>
-            </a:spcAft>
-            <a:buNone/>
-          </a:pPr>
-          <a:endParaRPr lang="en-US" sz="2600" kern="1200" dirty="0"/>
-        </a:p>
-      </dsp:txBody>
-      <dsp:txXfrm>
-        <a:off x="0" y="0"/>
-        <a:ext cx="6666833" cy="5453920"/>
-      </dsp:txXfrm>
-    </dsp:sp>
-  </dsp:spTree>
-</dsp:drawing>
-</file>
-
 <file path=ppt/diagrams/layout1.xml><?xml version="1.0" encoding="utf-8"?>
 <dgm:layoutDef xmlns:dgm="http://schemas.openxmlformats.org/drawingml/2006/diagram" xmlns:a="http://schemas.openxmlformats.org/drawingml/2006/main" uniqueId="urn:microsoft.com/office/officeart/2018/2/layout/IconCircleList">
   <dgm:title val="Icon Circle List"/>
@@ -6531,472 +5327,6 @@
 </dgm:layoutDef>
 </file>
 
-<file path=ppt/diagrams/layout3.xml><?xml version="1.0" encoding="utf-8"?>
-<dgm:layoutDef xmlns:dgm="http://schemas.openxmlformats.org/drawingml/2006/diagram" xmlns:a="http://schemas.openxmlformats.org/drawingml/2006/main" uniqueId="urn:microsoft.com/office/officeart/2008/layout/LinedList">
-  <dgm:title val=""/>
-  <dgm:desc val=""/>
-  <dgm:catLst>
-    <dgm:cat type="hierarchy" pri="8000"/>
-    <dgm:cat type="list" pri="2500"/>
-  </dgm:catLst>
-  <dgm:sampData>
-    <dgm:dataModel>
-      <dgm:ptLst>
-        <dgm:pt modelId="0" type="doc"/>
-        <dgm:pt modelId="1">
-          <dgm:prSet phldr="1"/>
-        </dgm:pt>
-        <dgm:pt modelId="11">
-          <dgm:prSet phldr="1"/>
-        </dgm:pt>
-        <dgm:pt modelId="12">
-          <dgm:prSet phldr="1"/>
-        </dgm:pt>
-        <dgm:pt modelId="13">
-          <dgm:prSet phldr="1"/>
-        </dgm:pt>
-      </dgm:ptLst>
-      <dgm:cxnLst>
-        <dgm:cxn modelId="2" srcId="0" destId="1" srcOrd="0" destOrd="0"/>
-        <dgm:cxn modelId="3" srcId="1" destId="11" srcOrd="0" destOrd="0"/>
-        <dgm:cxn modelId="4" srcId="1" destId="12" srcOrd="1" destOrd="0"/>
-        <dgm:cxn modelId="5" srcId="1" destId="13" srcOrd="2" destOrd="0"/>
-      </dgm:cxnLst>
-      <dgm:bg/>
-      <dgm:whole/>
-    </dgm:dataModel>
-  </dgm:sampData>
-  <dgm:styleData>
-    <dgm:dataModel>
-      <dgm:ptLst>
-        <dgm:pt modelId="0" type="doc"/>
-        <dgm:pt modelId="1">
-          <dgm:prSet phldr="1"/>
-        </dgm:pt>
-        <dgm:pt modelId="11">
-          <dgm:prSet phldr="1"/>
-        </dgm:pt>
-        <dgm:pt modelId="12">
-          <dgm:prSet phldr="1"/>
-        </dgm:pt>
-      </dgm:ptLst>
-      <dgm:cxnLst>
-        <dgm:cxn modelId="2" srcId="0" destId="1" srcOrd="0" destOrd="0"/>
-        <dgm:cxn modelId="3" srcId="1" destId="11" srcOrd="0" destOrd="0"/>
-        <dgm:cxn modelId="4" srcId="1" destId="12" srcOrd="1" destOrd="0"/>
-      </dgm:cxnLst>
-      <dgm:bg/>
-      <dgm:whole/>
-    </dgm:dataModel>
-  </dgm:styleData>
-  <dgm:clrData>
-    <dgm:dataModel>
-      <dgm:ptLst>
-        <dgm:pt modelId="0" type="doc"/>
-        <dgm:pt modelId="1">
-          <dgm:prSet phldr="1"/>
-        </dgm:pt>
-        <dgm:pt modelId="11">
-          <dgm:prSet phldr="1"/>
-        </dgm:pt>
-        <dgm:pt modelId="12">
-          <dgm:prSet phldr="1"/>
-        </dgm:pt>
-      </dgm:ptLst>
-      <dgm:cxnLst>
-        <dgm:cxn modelId="2" srcId="0" destId="1" srcOrd="0" destOrd="0"/>
-        <dgm:cxn modelId="3" srcId="1" destId="11" srcOrd="0" destOrd="0"/>
-        <dgm:cxn modelId="4" srcId="1" destId="12" srcOrd="1" destOrd="0"/>
-      </dgm:cxnLst>
-      <dgm:bg/>
-      <dgm:whole/>
-    </dgm:dataModel>
-  </dgm:clrData>
-  <dgm:layoutNode name="vert0">
-    <dgm:varLst>
-      <dgm:dir/>
-      <dgm:animOne val="branch"/>
-      <dgm:animLvl val="lvl"/>
-    </dgm:varLst>
-    <dgm:choose name="Name0">
-      <dgm:if name="Name1" func="var" arg="dir" op="equ" val="norm">
-        <dgm:alg type="lin">
-          <dgm:param type="linDir" val="fromT"/>
-          <dgm:param type="nodeHorzAlign" val="l"/>
-        </dgm:alg>
-      </dgm:if>
-      <dgm:else name="Name2">
-        <dgm:alg type="lin">
-          <dgm:param type="linDir" val="fromT"/>
-          <dgm:param type="nodeHorzAlign" val="r"/>
-        </dgm:alg>
-      </dgm:else>
-    </dgm:choose>
-    <dgm:shape xmlns:r="http://schemas.openxmlformats.org/officeDocument/2006/relationships" r:blip="">
-      <dgm:adjLst/>
-    </dgm:shape>
-    <dgm:presOf/>
-    <dgm:constrLst>
-      <dgm:constr type="w" for="ch" forName="horz1" refType="w"/>
-      <dgm:constr type="h" for="ch" forName="horz1" refType="h"/>
-      <dgm:constr type="h" for="des" forName="vert1" refType="h"/>
-      <dgm:constr type="h" for="des" forName="tx1" refType="h"/>
-      <dgm:constr type="h" for="des" forName="horz2" refType="h"/>
-      <dgm:constr type="h" for="des" forName="vert2" refType="h"/>
-      <dgm:constr type="h" for="des" forName="horz3" refType="h"/>
-      <dgm:constr type="h" for="des" forName="vert3" refType="h"/>
-      <dgm:constr type="h" for="des" forName="horz4" refType="h"/>
-      <dgm:constr type="h" for="des" ptType="node" refType="h"/>
-      <dgm:constr type="primFontSz" for="des" forName="tx1" op="equ" val="65"/>
-      <dgm:constr type="primFontSz" for="des" forName="tx2" op="equ" val="65"/>
-      <dgm:constr type="primFontSz" for="des" forName="tx3" op="equ" val="65"/>
-      <dgm:constr type="primFontSz" for="des" forName="tx4" op="equ" val="65"/>
-      <dgm:constr type="w" for="des" forName="thickLine" refType="w"/>
-      <dgm:constr type="h" for="des" forName="thickLine"/>
-      <dgm:constr type="h" for="des" forName="thinLine1"/>
-      <dgm:constr type="h" for="des" forName="thinLine2b"/>
-      <dgm:constr type="h" for="des" forName="thinLine3"/>
-      <dgm:constr type="h" for="des" forName="vertSpace2a" refType="h" fact="0.05"/>
-      <dgm:constr type="h" for="des" forName="vertSpace2b" refType="h" refFor="des" refForName="vertSpace2a"/>
-    </dgm:constrLst>
-    <dgm:forEach name="Name3" axis="ch" ptType="node">
-      <dgm:layoutNode name="thickLine" styleLbl="alignNode1">
-        <dgm:alg type="sp"/>
-        <dgm:shape xmlns:r="http://schemas.openxmlformats.org/officeDocument/2006/relationships" type="line" r:blip="">
-          <dgm:adjLst/>
-        </dgm:shape>
-        <dgm:presOf/>
-      </dgm:layoutNode>
-      <dgm:layoutNode name="horz1">
-        <dgm:choose name="Name4">
-          <dgm:if name="Name5" func="var" arg="dir" op="equ" val="norm">
-            <dgm:alg type="lin">
-              <dgm:param type="linDir" val="fromL"/>
-              <dgm:param type="nodeVertAlign" val="t"/>
-            </dgm:alg>
-          </dgm:if>
-          <dgm:else name="Name6">
-            <dgm:alg type="lin">
-              <dgm:param type="linDir" val="fromR"/>
-              <dgm:param type="nodeVertAlign" val="t"/>
-            </dgm:alg>
-          </dgm:else>
-        </dgm:choose>
-        <dgm:shape xmlns:r="http://schemas.openxmlformats.org/officeDocument/2006/relationships" r:blip="">
-          <dgm:adjLst/>
-        </dgm:shape>
-        <dgm:presOf/>
-        <dgm:choose name="Name7">
-          <dgm:if name="Name8" axis="root des" func="maxDepth" op="equ" val="1">
-            <dgm:constrLst>
-              <dgm:constr type="w" for="ch" forName="tx1" refType="w"/>
-            </dgm:constrLst>
-          </dgm:if>
-          <dgm:if name="Name9" axis="root des" func="maxDepth" op="equ" val="2">
-            <dgm:constrLst>
-              <dgm:constr type="w" for="ch" forName="tx1" refType="w" fact="0.2"/>
-              <dgm:constr type="w" for="des" forName="tx2" refType="w" fact="0.785"/>
-              <dgm:constr type="w" for="des" forName="horzSpace2" refType="w" fact="0.015"/>
-              <dgm:constr type="w" for="des" forName="thinLine2b" refType="w" fact="0.8"/>
-            </dgm:constrLst>
-          </dgm:if>
-          <dgm:if name="Name10" axis="root des" func="maxDepth" op="equ" val="3">
-            <dgm:constrLst>
-              <dgm:constr type="w" for="ch" forName="tx1" refType="w" fact="0.2"/>
-              <dgm:constr type="w" for="des" forName="tx2" refType="w" fact="0.385"/>
-              <dgm:constr type="w" for="des" forName="tx3" refType="w" fact="0.385"/>
-              <dgm:constr type="w" for="des" forName="horzSpace2" refType="w" fact="0.015"/>
-              <dgm:constr type="w" for="des" forName="horzSpace3" refType="w" fact="0.015"/>
-              <dgm:constr type="w" for="des" forName="thinLine2b" refType="w" fact="0.8"/>
-              <dgm:constr type="w" for="des" forName="thinLine3" refType="w" fact="0.385"/>
-            </dgm:constrLst>
-          </dgm:if>
-          <dgm:if name="Name11" axis="root des" func="maxDepth" op="gte" val="4">
-            <dgm:constrLst>
-              <dgm:constr type="w" for="ch" forName="tx1" refType="w" fact="0.2"/>
-              <dgm:constr type="w" for="des" forName="tx2" refType="w" fact="0.2516"/>
-              <dgm:constr type="w" for="des" forName="tx3" refType="w" fact="0.2516"/>
-              <dgm:constr type="w" for="des" forName="tx4" refType="w" fact="0.2516"/>
-              <dgm:constr type="w" for="des" forName="horzSpace2" refType="w" fact="0.015"/>
-              <dgm:constr type="w" for="des" forName="horzSpace3" refType="w" fact="0.015"/>
-              <dgm:constr type="w" for="des" forName="horzSpace4" refType="w" fact="0.015"/>
-              <dgm:constr type="w" for="des" forName="thinLine2b" refType="w" fact="0.8"/>
-              <dgm:constr type="w" for="des" forName="thinLine3" refType="w" fact="0.5332"/>
-            </dgm:constrLst>
-          </dgm:if>
-          <dgm:else name="Name12"/>
-        </dgm:choose>
-        <dgm:layoutNode name="tx1" styleLbl="revTx">
-          <dgm:alg type="tx">
-            <dgm:param type="parTxLTRAlign" val="l"/>
-            <dgm:param type="parTxRTLAlign" val="r"/>
-            <dgm:param type="txAnchorVert" val="t"/>
-          </dgm:alg>
-          <dgm:shape xmlns:r="http://schemas.openxmlformats.org/officeDocument/2006/relationships" type="rect" r:blip="">
-            <dgm:adjLst/>
-          </dgm:shape>
-          <dgm:presOf axis="self"/>
-          <dgm:constrLst>
-            <dgm:constr type="tMarg" refType="primFontSz" fact="0.3"/>
-            <dgm:constr type="bMarg" refType="primFontSz" fact="0.3"/>
-            <dgm:constr type="lMarg" refType="primFontSz" fact="0.3"/>
-            <dgm:constr type="rMarg" refType="primFontSz" fact="0.3"/>
-          </dgm:constrLst>
-          <dgm:ruleLst>
-            <dgm:rule type="primFontSz" val="5" fact="NaN" max="NaN"/>
-          </dgm:ruleLst>
-        </dgm:layoutNode>
-        <dgm:layoutNode name="vert1">
-          <dgm:choose name="Name13">
-            <dgm:if name="Name14" func="var" arg="dir" op="equ" val="norm">
-              <dgm:alg type="lin">
-                <dgm:param type="linDir" val="fromT"/>
-                <dgm:param type="nodeHorzAlign" val="l"/>
-              </dgm:alg>
-            </dgm:if>
-            <dgm:else name="Name15">
-              <dgm:alg type="lin">
-                <dgm:param type="linDir" val="fromT"/>
-                <dgm:param type="nodeHorzAlign" val="r"/>
-              </dgm:alg>
-            </dgm:else>
-          </dgm:choose>
-          <dgm:shape xmlns:r="http://schemas.openxmlformats.org/officeDocument/2006/relationships" r:blip="">
-            <dgm:adjLst/>
-          </dgm:shape>
-          <dgm:presOf/>
-          <dgm:forEach name="Name16" axis="ch" ptType="node">
-            <dgm:choose name="Name17">
-              <dgm:if name="Name18" axis="self" ptType="node" func="pos" op="equ" val="1">
-                <dgm:layoutNode name="vertSpace2a">
-                  <dgm:alg type="sp"/>
-                  <dgm:shape xmlns:r="http://schemas.openxmlformats.org/officeDocument/2006/relationships" r:blip="">
-                    <dgm:adjLst/>
-                  </dgm:shape>
-                  <dgm:presOf/>
-                </dgm:layoutNode>
-              </dgm:if>
-              <dgm:else name="Name19"/>
-            </dgm:choose>
-            <dgm:layoutNode name="horz2">
-              <dgm:choose name="Name20">
-                <dgm:if name="Name21" func="var" arg="dir" op="equ" val="norm">
-                  <dgm:alg type="lin">
-                    <dgm:param type="linDir" val="fromL"/>
-                    <dgm:param type="nodeVertAlign" val="t"/>
-                  </dgm:alg>
-                </dgm:if>
-                <dgm:else name="Name22">
-                  <dgm:alg type="lin">
-                    <dgm:param type="linDir" val="fromR"/>
-                    <dgm:param type="nodeVertAlign" val="t"/>
-                  </dgm:alg>
-                </dgm:else>
-              </dgm:choose>
-              <dgm:shape xmlns:r="http://schemas.openxmlformats.org/officeDocument/2006/relationships" r:blip="">
-                <dgm:adjLst/>
-              </dgm:shape>
-              <dgm:presOf/>
-              <dgm:layoutNode name="horzSpace2">
-                <dgm:alg type="sp"/>
-                <dgm:shape xmlns:r="http://schemas.openxmlformats.org/officeDocument/2006/relationships" r:blip="">
-                  <dgm:adjLst/>
-                </dgm:shape>
-                <dgm:presOf/>
-              </dgm:layoutNode>
-              <dgm:layoutNode name="tx2" styleLbl="revTx">
-                <dgm:alg type="tx">
-                  <dgm:param type="parTxLTRAlign" val="l"/>
-                  <dgm:param type="parTxRTLAlign" val="r"/>
-                  <dgm:param type="txAnchorVert" val="t"/>
-                </dgm:alg>
-                <dgm:shape xmlns:r="http://schemas.openxmlformats.org/officeDocument/2006/relationships" type="rect" r:blip="">
-                  <dgm:adjLst/>
-                </dgm:shape>
-                <dgm:presOf axis="self"/>
-                <dgm:constrLst>
-                  <dgm:constr type="tMarg" refType="primFontSz" fact="0.3"/>
-                  <dgm:constr type="bMarg" refType="primFontSz" fact="0.3"/>
-                  <dgm:constr type="lMarg" refType="primFontSz" fact="0.3"/>
-                  <dgm:constr type="rMarg" refType="primFontSz" fact="0.3"/>
-                </dgm:constrLst>
-                <dgm:ruleLst>
-                  <dgm:rule type="primFontSz" val="5" fact="NaN" max="NaN"/>
-                </dgm:ruleLst>
-              </dgm:layoutNode>
-              <dgm:layoutNode name="vert2">
-                <dgm:choose name="Name23">
-                  <dgm:if name="Name24" func="var" arg="dir" op="equ" val="norm">
-                    <dgm:alg type="lin">
-                      <dgm:param type="linDir" val="fromT"/>
-                      <dgm:param type="nodeHorzAlign" val="l"/>
-                    </dgm:alg>
-                  </dgm:if>
-                  <dgm:else name="Name25">
-                    <dgm:alg type="lin">
-                      <dgm:param type="linDir" val="fromT"/>
-                      <dgm:param type="nodeHorzAlign" val="r"/>
-                    </dgm:alg>
-                  </dgm:else>
-                </dgm:choose>
-                <dgm:shape xmlns:r="http://schemas.openxmlformats.org/officeDocument/2006/relationships" r:blip="">
-                  <dgm:adjLst/>
-                </dgm:shape>
-                <dgm:presOf/>
-                <dgm:forEach name="Name26" axis="ch" ptType="node">
-                  <dgm:layoutNode name="horz3">
-                    <dgm:choose name="Name27">
-                      <dgm:if name="Name28" func="var" arg="dir" op="equ" val="norm">
-                        <dgm:alg type="lin">
-                          <dgm:param type="linDir" val="fromL"/>
-                          <dgm:param type="nodeVertAlign" val="t"/>
-                        </dgm:alg>
-                      </dgm:if>
-                      <dgm:else name="Name29">
-                        <dgm:alg type="lin">
-                          <dgm:param type="linDir" val="fromR"/>
-                          <dgm:param type="nodeVertAlign" val="t"/>
-                        </dgm:alg>
-                      </dgm:else>
-                    </dgm:choose>
-                    <dgm:shape xmlns:r="http://schemas.openxmlformats.org/officeDocument/2006/relationships" r:blip="">
-                      <dgm:adjLst/>
-                    </dgm:shape>
-                    <dgm:presOf/>
-                    <dgm:layoutNode name="horzSpace3">
-                      <dgm:alg type="sp"/>
-                      <dgm:shape xmlns:r="http://schemas.openxmlformats.org/officeDocument/2006/relationships" r:blip="">
-                        <dgm:adjLst/>
-                      </dgm:shape>
-                      <dgm:presOf/>
-                    </dgm:layoutNode>
-                    <dgm:layoutNode name="tx3" styleLbl="revTx">
-                      <dgm:alg type="tx">
-                        <dgm:param type="parTxLTRAlign" val="l"/>
-                        <dgm:param type="parTxRTLAlign" val="r"/>
-                        <dgm:param type="txAnchorVert" val="t"/>
-                      </dgm:alg>
-                      <dgm:shape xmlns:r="http://schemas.openxmlformats.org/officeDocument/2006/relationships" type="rect" r:blip="">
-                        <dgm:adjLst/>
-                      </dgm:shape>
-                      <dgm:presOf axis="self"/>
-                      <dgm:constrLst>
-                        <dgm:constr type="tMarg" refType="primFontSz" fact="0.3"/>
-                        <dgm:constr type="bMarg" refType="primFontSz" fact="0.3"/>
-                        <dgm:constr type="lMarg" refType="primFontSz" fact="0.3"/>
-                        <dgm:constr type="rMarg" refType="primFontSz" fact="0.3"/>
-                      </dgm:constrLst>
-                      <dgm:ruleLst>
-                        <dgm:rule type="primFontSz" val="5" fact="NaN" max="NaN"/>
-                      </dgm:ruleLst>
-                    </dgm:layoutNode>
-                    <dgm:layoutNode name="vert3">
-                      <dgm:choose name="Name30">
-                        <dgm:if name="Name31" func="var" arg="dir" op="equ" val="norm">
-                          <dgm:alg type="lin">
-                            <dgm:param type="linDir" val="fromT"/>
-                            <dgm:param type="nodeHorzAlign" val="l"/>
-                          </dgm:alg>
-                        </dgm:if>
-                        <dgm:else name="Name32">
-                          <dgm:alg type="lin">
-                            <dgm:param type="linDir" val="fromT"/>
-                            <dgm:param type="nodeHorzAlign" val="r"/>
-                          </dgm:alg>
-                        </dgm:else>
-                      </dgm:choose>
-                      <dgm:shape xmlns:r="http://schemas.openxmlformats.org/officeDocument/2006/relationships" r:blip="">
-                        <dgm:adjLst/>
-                      </dgm:shape>
-                      <dgm:presOf/>
-                      <dgm:forEach name="Name33" axis="ch" ptType="node">
-                        <dgm:layoutNode name="horz4">
-                          <dgm:choose name="Name34">
-                            <dgm:if name="Name35" func="var" arg="dir" op="equ" val="norm">
-                              <dgm:alg type="lin">
-                                <dgm:param type="linDir" val="fromL"/>
-                                <dgm:param type="nodeVertAlign" val="t"/>
-                              </dgm:alg>
-                            </dgm:if>
-                            <dgm:else name="Name36">
-                              <dgm:alg type="lin">
-                                <dgm:param type="linDir" val="fromR"/>
-                                <dgm:param type="nodeVertAlign" val="t"/>
-                              </dgm:alg>
-                            </dgm:else>
-                          </dgm:choose>
-                          <dgm:shape xmlns:r="http://schemas.openxmlformats.org/officeDocument/2006/relationships" r:blip="">
-                            <dgm:adjLst/>
-                          </dgm:shape>
-                          <dgm:presOf/>
-                          <dgm:layoutNode name="horzSpace4">
-                            <dgm:alg type="sp"/>
-                            <dgm:shape xmlns:r="http://schemas.openxmlformats.org/officeDocument/2006/relationships" r:blip="">
-                              <dgm:adjLst/>
-                            </dgm:shape>
-                            <dgm:presOf/>
-                          </dgm:layoutNode>
-                          <dgm:layoutNode name="tx4" styleLbl="revTx">
-                            <dgm:varLst>
-                              <dgm:bulletEnabled val="1"/>
-                            </dgm:varLst>
-                            <dgm:alg type="tx">
-                              <dgm:param type="parTxLTRAlign" val="l"/>
-                              <dgm:param type="parTxRTLAlign" val="r"/>
-                              <dgm:param type="txAnchorVert" val="t"/>
-                            </dgm:alg>
-                            <dgm:shape xmlns:r="http://schemas.openxmlformats.org/officeDocument/2006/relationships" type="rect" r:blip="">
-                              <dgm:adjLst/>
-                            </dgm:shape>
-                            <dgm:presOf axis="desOrSelf" ptType="node"/>
-                            <dgm:constrLst>
-                              <dgm:constr type="tMarg" refType="primFontSz" fact="0.3"/>
-                              <dgm:constr type="bMarg" refType="primFontSz" fact="0.3"/>
-                              <dgm:constr type="lMarg" refType="primFontSz" fact="0.3"/>
-                              <dgm:constr type="rMarg" refType="primFontSz" fact="0.3"/>
-                            </dgm:constrLst>
-                            <dgm:ruleLst>
-                              <dgm:rule type="primFontSz" val="5" fact="NaN" max="NaN"/>
-                            </dgm:ruleLst>
-                          </dgm:layoutNode>
-                        </dgm:layoutNode>
-                      </dgm:forEach>
-                    </dgm:layoutNode>
-                  </dgm:layoutNode>
-                  <dgm:forEach name="Name37" axis="followSib" ptType="sibTrans" cnt="1">
-                    <dgm:layoutNode name="thinLine3" styleLbl="callout">
-                      <dgm:alg type="sp"/>
-                      <dgm:shape xmlns:r="http://schemas.openxmlformats.org/officeDocument/2006/relationships" type="line" r:blip="">
-                        <dgm:adjLst/>
-                      </dgm:shape>
-                      <dgm:presOf/>
-                    </dgm:layoutNode>
-                  </dgm:forEach>
-                </dgm:forEach>
-              </dgm:layoutNode>
-            </dgm:layoutNode>
-            <dgm:layoutNode name="thinLine2b" styleLbl="callout">
-              <dgm:alg type="sp"/>
-              <dgm:shape xmlns:r="http://schemas.openxmlformats.org/officeDocument/2006/relationships" type="line" r:blip="">
-                <dgm:adjLst/>
-              </dgm:shape>
-              <dgm:presOf/>
-            </dgm:layoutNode>
-            <dgm:layoutNode name="vertSpace2b">
-              <dgm:alg type="sp"/>
-              <dgm:shape xmlns:r="http://schemas.openxmlformats.org/officeDocument/2006/relationships" r:blip="">
-                <dgm:adjLst/>
-              </dgm:shape>
-              <dgm:presOf/>
-            </dgm:layoutNode>
-          </dgm:forEach>
-        </dgm:layoutNode>
-      </dgm:layoutNode>
-    </dgm:forEach>
-  </dgm:layoutNode>
-</dgm:layoutDef>
-</file>
-
 <file path=ppt/diagrams/quickStyle1.xml><?xml version="1.0" encoding="utf-8"?>
 <dgm:styleDef xmlns:dgm="http://schemas.openxmlformats.org/drawingml/2006/diagram" xmlns:a="http://schemas.openxmlformats.org/drawingml/2006/main" uniqueId="urn:microsoft.com/office/officeart/2005/8/quickstyle/simple1">
   <dgm:title val=""/>
@@ -8032,1040 +6362,6 @@
 </file>
 
 <file path=ppt/diagrams/quickStyle2.xml><?xml version="1.0" encoding="utf-8"?>
-<dgm:styleDef xmlns:dgm="http://schemas.openxmlformats.org/drawingml/2006/diagram" xmlns:a="http://schemas.openxmlformats.org/drawingml/2006/main" uniqueId="urn:microsoft.com/office/officeart/2005/8/quickstyle/simple4">
-  <dgm:title val=""/>
-  <dgm:desc val=""/>
-  <dgm:catLst>
-    <dgm:cat type="simple" pri="10400"/>
-  </dgm:catLst>
-  <dgm:scene3d>
-    <a:camera prst="orthographicFront"/>
-    <a:lightRig rig="threePt" dir="t"/>
-  </dgm:scene3d>
-  <dgm:styleLbl name="node0">
-    <dgm:scene3d>
-      <a:camera prst="orthographicFront"/>
-      <a:lightRig rig="threePt" dir="t"/>
-    </dgm:scene3d>
-    <dgm:sp3d/>
-    <dgm:txPr/>
-    <dgm:style>
-      <a:lnRef idx="0">
-        <a:scrgbClr r="0" g="0" b="0"/>
-      </a:lnRef>
-      <a:fillRef idx="3">
-        <a:scrgbClr r="0" g="0" b="0"/>
-      </a:fillRef>
-      <a:effectRef idx="2">
-        <a:scrgbClr r="0" g="0" b="0"/>
-      </a:effectRef>
-      <a:fontRef idx="minor">
-        <a:schemeClr val="lt1"/>
-      </a:fontRef>
-    </dgm:style>
-  </dgm:styleLbl>
-  <dgm:styleLbl name="lnNode1">
-    <dgm:scene3d>
-      <a:camera prst="orthographicFront"/>
-      <a:lightRig rig="threePt" dir="t"/>
-    </dgm:scene3d>
-    <dgm:sp3d/>
-    <dgm:txPr/>
-    <dgm:style>
-      <a:lnRef idx="1">
-        <a:scrgbClr r="0" g="0" b="0"/>
-      </a:lnRef>
-      <a:fillRef idx="3">
-        <a:scrgbClr r="0" g="0" b="0"/>
-      </a:fillRef>
-      <a:effectRef idx="2">
-        <a:scrgbClr r="0" g="0" b="0"/>
-      </a:effectRef>
-      <a:fontRef idx="minor">
-        <a:schemeClr val="lt1"/>
-      </a:fontRef>
-    </dgm:style>
-  </dgm:styleLbl>
-  <dgm:styleLbl name="vennNode1">
-    <dgm:scene3d>
-      <a:camera prst="orthographicFront"/>
-      <a:lightRig rig="threePt" dir="t"/>
-    </dgm:scene3d>
-    <dgm:sp3d/>
-    <dgm:txPr/>
-    <dgm:style>
-      <a:lnRef idx="0">
-        <a:scrgbClr r="0" g="0" b="0"/>
-      </a:lnRef>
-      <a:fillRef idx="3">
-        <a:scrgbClr r="0" g="0" b="0"/>
-      </a:fillRef>
-      <a:effectRef idx="0">
-        <a:scrgbClr r="0" g="0" b="0"/>
-      </a:effectRef>
-      <a:fontRef idx="minor">
-        <a:schemeClr val="tx1"/>
-      </a:fontRef>
-    </dgm:style>
-  </dgm:styleLbl>
-  <dgm:styleLbl name="alignNode1">
-    <dgm:scene3d>
-      <a:camera prst="orthographicFront"/>
-      <a:lightRig rig="threePt" dir="t"/>
-    </dgm:scene3d>
-    <dgm:sp3d/>
-    <dgm:txPr/>
-    <dgm:style>
-      <a:lnRef idx="1">
-        <a:scrgbClr r="0" g="0" b="0"/>
-      </a:lnRef>
-      <a:fillRef idx="3">
-        <a:scrgbClr r="0" g="0" b="0"/>
-      </a:fillRef>
-      <a:effectRef idx="2">
-        <a:scrgbClr r="0" g="0" b="0"/>
-      </a:effectRef>
-      <a:fontRef idx="minor">
-        <a:schemeClr val="lt1"/>
-      </a:fontRef>
-    </dgm:style>
-  </dgm:styleLbl>
-  <dgm:styleLbl name="node1">
-    <dgm:scene3d>
-      <a:camera prst="orthographicFront"/>
-      <a:lightRig rig="threePt" dir="t"/>
-    </dgm:scene3d>
-    <dgm:sp3d/>
-    <dgm:txPr/>
-    <dgm:style>
-      <a:lnRef idx="0">
-        <a:scrgbClr r="0" g="0" b="0"/>
-      </a:lnRef>
-      <a:fillRef idx="3">
-        <a:scrgbClr r="0" g="0" b="0"/>
-      </a:fillRef>
-      <a:effectRef idx="2">
-        <a:scrgbClr r="0" g="0" b="0"/>
-      </a:effectRef>
-      <a:fontRef idx="minor">
-        <a:schemeClr val="lt1"/>
-      </a:fontRef>
-    </dgm:style>
-  </dgm:styleLbl>
-  <dgm:styleLbl name="node2">
-    <dgm:scene3d>
-      <a:camera prst="orthographicFront"/>
-      <a:lightRig rig="threePt" dir="t"/>
-    </dgm:scene3d>
-    <dgm:sp3d/>
-    <dgm:txPr/>
-    <dgm:style>
-      <a:lnRef idx="0">
-        <a:scrgbClr r="0" g="0" b="0"/>
-      </a:lnRef>
-      <a:fillRef idx="3">
-        <a:scrgbClr r="0" g="0" b="0"/>
-      </a:fillRef>
-      <a:effectRef idx="2">
-        <a:scrgbClr r="0" g="0" b="0"/>
-      </a:effectRef>
-      <a:fontRef idx="minor">
-        <a:schemeClr val="lt1"/>
-      </a:fontRef>
-    </dgm:style>
-  </dgm:styleLbl>
-  <dgm:styleLbl name="node3">
-    <dgm:scene3d>
-      <a:camera prst="orthographicFront"/>
-      <a:lightRig rig="threePt" dir="t"/>
-    </dgm:scene3d>
-    <dgm:sp3d/>
-    <dgm:txPr/>
-    <dgm:style>
-      <a:lnRef idx="0">
-        <a:scrgbClr r="0" g="0" b="0"/>
-      </a:lnRef>
-      <a:fillRef idx="3">
-        <a:scrgbClr r="0" g="0" b="0"/>
-      </a:fillRef>
-      <a:effectRef idx="2">
-        <a:scrgbClr r="0" g="0" b="0"/>
-      </a:effectRef>
-      <a:fontRef idx="minor">
-        <a:schemeClr val="lt1"/>
-      </a:fontRef>
-    </dgm:style>
-  </dgm:styleLbl>
-  <dgm:styleLbl name="node4">
-    <dgm:scene3d>
-      <a:camera prst="orthographicFront"/>
-      <a:lightRig rig="threePt" dir="t"/>
-    </dgm:scene3d>
-    <dgm:sp3d/>
-    <dgm:txPr/>
-    <dgm:style>
-      <a:lnRef idx="0">
-        <a:scrgbClr r="0" g="0" b="0"/>
-      </a:lnRef>
-      <a:fillRef idx="3">
-        <a:scrgbClr r="0" g="0" b="0"/>
-      </a:fillRef>
-      <a:effectRef idx="2">
-        <a:scrgbClr r="0" g="0" b="0"/>
-      </a:effectRef>
-      <a:fontRef idx="minor">
-        <a:schemeClr val="lt1"/>
-      </a:fontRef>
-    </dgm:style>
-  </dgm:styleLbl>
-  <dgm:styleLbl name="fgImgPlace1">
-    <dgm:scene3d>
-      <a:camera prst="orthographicFront"/>
-      <a:lightRig rig="threePt" dir="t"/>
-    </dgm:scene3d>
-    <dgm:sp3d/>
-    <dgm:txPr/>
-    <dgm:style>
-      <a:lnRef idx="0">
-        <a:scrgbClr r="0" g="0" b="0"/>
-      </a:lnRef>
-      <a:fillRef idx="1">
-        <a:scrgbClr r="0" g="0" b="0"/>
-      </a:fillRef>
-      <a:effectRef idx="2">
-        <a:scrgbClr r="0" g="0" b="0"/>
-      </a:effectRef>
-      <a:fontRef idx="minor"/>
-    </dgm:style>
-  </dgm:styleLbl>
-  <dgm:styleLbl name="alignImgPlace1">
-    <dgm:scene3d>
-      <a:camera prst="orthographicFront"/>
-      <a:lightRig rig="threePt" dir="t"/>
-    </dgm:scene3d>
-    <dgm:sp3d/>
-    <dgm:txPr/>
-    <dgm:style>
-      <a:lnRef idx="0">
-        <a:scrgbClr r="0" g="0" b="0"/>
-      </a:lnRef>
-      <a:fillRef idx="1">
-        <a:scrgbClr r="0" g="0" b="0"/>
-      </a:fillRef>
-      <a:effectRef idx="2">
-        <a:scrgbClr r="0" g="0" b="0"/>
-      </a:effectRef>
-      <a:fontRef idx="minor"/>
-    </dgm:style>
-  </dgm:styleLbl>
-  <dgm:styleLbl name="bgImgPlace1">
-    <dgm:scene3d>
-      <a:camera prst="orthographicFront"/>
-      <a:lightRig rig="threePt" dir="t"/>
-    </dgm:scene3d>
-    <dgm:sp3d/>
-    <dgm:txPr/>
-    <dgm:style>
-      <a:lnRef idx="0">
-        <a:scrgbClr r="0" g="0" b="0"/>
-      </a:lnRef>
-      <a:fillRef idx="1">
-        <a:scrgbClr r="0" g="0" b="0"/>
-      </a:fillRef>
-      <a:effectRef idx="2">
-        <a:scrgbClr r="0" g="0" b="0"/>
-      </a:effectRef>
-      <a:fontRef idx="minor"/>
-    </dgm:style>
-  </dgm:styleLbl>
-  <dgm:styleLbl name="sibTrans2D1">
-    <dgm:scene3d>
-      <a:camera prst="orthographicFront"/>
-      <a:lightRig rig="threePt" dir="t"/>
-    </dgm:scene3d>
-    <dgm:sp3d/>
-    <dgm:txPr/>
-    <dgm:style>
-      <a:lnRef idx="0">
-        <a:scrgbClr r="0" g="0" b="0"/>
-      </a:lnRef>
-      <a:fillRef idx="3">
-        <a:scrgbClr r="0" g="0" b="0"/>
-      </a:fillRef>
-      <a:effectRef idx="2">
-        <a:scrgbClr r="0" g="0" b="0"/>
-      </a:effectRef>
-      <a:fontRef idx="minor">
-        <a:schemeClr val="lt1"/>
-      </a:fontRef>
-    </dgm:style>
-  </dgm:styleLbl>
-  <dgm:styleLbl name="fgSibTrans2D1">
-    <dgm:scene3d>
-      <a:camera prst="orthographicFront"/>
-      <a:lightRig rig="threePt" dir="t"/>
-    </dgm:scene3d>
-    <dgm:sp3d/>
-    <dgm:txPr/>
-    <dgm:style>
-      <a:lnRef idx="0">
-        <a:scrgbClr r="0" g="0" b="0"/>
-      </a:lnRef>
-      <a:fillRef idx="3">
-        <a:scrgbClr r="0" g="0" b="0"/>
-      </a:fillRef>
-      <a:effectRef idx="2">
-        <a:scrgbClr r="0" g="0" b="0"/>
-      </a:effectRef>
-      <a:fontRef idx="minor">
-        <a:schemeClr val="lt1"/>
-      </a:fontRef>
-    </dgm:style>
-  </dgm:styleLbl>
-  <dgm:styleLbl name="bgSibTrans2D1">
-    <dgm:scene3d>
-      <a:camera prst="orthographicFront"/>
-      <a:lightRig rig="threePt" dir="t"/>
-    </dgm:scene3d>
-    <dgm:sp3d/>
-    <dgm:txPr/>
-    <dgm:style>
-      <a:lnRef idx="0">
-        <a:scrgbClr r="0" g="0" b="0"/>
-      </a:lnRef>
-      <a:fillRef idx="3">
-        <a:scrgbClr r="0" g="0" b="0"/>
-      </a:fillRef>
-      <a:effectRef idx="2">
-        <a:scrgbClr r="0" g="0" b="0"/>
-      </a:effectRef>
-      <a:fontRef idx="minor">
-        <a:schemeClr val="lt1"/>
-      </a:fontRef>
-    </dgm:style>
-  </dgm:styleLbl>
-  <dgm:styleLbl name="sibTrans1D1">
-    <dgm:scene3d>
-      <a:camera prst="orthographicFront"/>
-      <a:lightRig rig="threePt" dir="t"/>
-    </dgm:scene3d>
-    <dgm:sp3d/>
-    <dgm:txPr/>
-    <dgm:style>
-      <a:lnRef idx="1">
-        <a:scrgbClr r="0" g="0" b="0"/>
-      </a:lnRef>
-      <a:fillRef idx="0">
-        <a:scrgbClr r="0" g="0" b="0"/>
-      </a:fillRef>
-      <a:effectRef idx="0">
-        <a:scrgbClr r="0" g="0" b="0"/>
-      </a:effectRef>
-      <a:fontRef idx="minor"/>
-    </dgm:style>
-  </dgm:styleLbl>
-  <dgm:styleLbl name="callout">
-    <dgm:scene3d>
-      <a:camera prst="orthographicFront"/>
-      <a:lightRig rig="threePt" dir="t"/>
-    </dgm:scene3d>
-    <dgm:sp3d/>
-    <dgm:txPr/>
-    <dgm:style>
-      <a:lnRef idx="2">
-        <a:scrgbClr r="0" g="0" b="0"/>
-      </a:lnRef>
-      <a:fillRef idx="1">
-        <a:scrgbClr r="0" g="0" b="0"/>
-      </a:fillRef>
-      <a:effectRef idx="1">
-        <a:scrgbClr r="0" g="0" b="0"/>
-      </a:effectRef>
-      <a:fontRef idx="minor"/>
-    </dgm:style>
-  </dgm:styleLbl>
-  <dgm:styleLbl name="asst0">
-    <dgm:scene3d>
-      <a:camera prst="orthographicFront"/>
-      <a:lightRig rig="threePt" dir="t"/>
-    </dgm:scene3d>
-    <dgm:sp3d/>
-    <dgm:txPr/>
-    <dgm:style>
-      <a:lnRef idx="0">
-        <a:scrgbClr r="0" g="0" b="0"/>
-      </a:lnRef>
-      <a:fillRef idx="3">
-        <a:scrgbClr r="0" g="0" b="0"/>
-      </a:fillRef>
-      <a:effectRef idx="2">
-        <a:scrgbClr r="0" g="0" b="0"/>
-      </a:effectRef>
-      <a:fontRef idx="minor">
-        <a:schemeClr val="lt1"/>
-      </a:fontRef>
-    </dgm:style>
-  </dgm:styleLbl>
-  <dgm:styleLbl name="asst1">
-    <dgm:scene3d>
-      <a:camera prst="orthographicFront"/>
-      <a:lightRig rig="threePt" dir="t"/>
-    </dgm:scene3d>
-    <dgm:sp3d/>
-    <dgm:txPr/>
-    <dgm:style>
-      <a:lnRef idx="0">
-        <a:scrgbClr r="0" g="0" b="0"/>
-      </a:lnRef>
-      <a:fillRef idx="3">
-        <a:scrgbClr r="0" g="0" b="0"/>
-      </a:fillRef>
-      <a:effectRef idx="2">
-        <a:scrgbClr r="0" g="0" b="0"/>
-      </a:effectRef>
-      <a:fontRef idx="minor">
-        <a:schemeClr val="lt1"/>
-      </a:fontRef>
-    </dgm:style>
-  </dgm:styleLbl>
-  <dgm:styleLbl name="asst2">
-    <dgm:scene3d>
-      <a:camera prst="orthographicFront"/>
-      <a:lightRig rig="threePt" dir="t"/>
-    </dgm:scene3d>
-    <dgm:sp3d/>
-    <dgm:txPr/>
-    <dgm:style>
-      <a:lnRef idx="0">
-        <a:scrgbClr r="0" g="0" b="0"/>
-      </a:lnRef>
-      <a:fillRef idx="3">
-        <a:scrgbClr r="0" g="0" b="0"/>
-      </a:fillRef>
-      <a:effectRef idx="2">
-        <a:scrgbClr r="0" g="0" b="0"/>
-      </a:effectRef>
-      <a:fontRef idx="minor">
-        <a:schemeClr val="lt1"/>
-      </a:fontRef>
-    </dgm:style>
-  </dgm:styleLbl>
-  <dgm:styleLbl name="asst3">
-    <dgm:scene3d>
-      <a:camera prst="orthographicFront"/>
-      <a:lightRig rig="threePt" dir="t"/>
-    </dgm:scene3d>
-    <dgm:sp3d/>
-    <dgm:txPr/>
-    <dgm:style>
-      <a:lnRef idx="0">
-        <a:scrgbClr r="0" g="0" b="0"/>
-      </a:lnRef>
-      <a:fillRef idx="3">
-        <a:scrgbClr r="0" g="0" b="0"/>
-      </a:fillRef>
-      <a:effectRef idx="2">
-        <a:scrgbClr r="0" g="0" b="0"/>
-      </a:effectRef>
-      <a:fontRef idx="minor">
-        <a:schemeClr val="lt1"/>
-      </a:fontRef>
-    </dgm:style>
-  </dgm:styleLbl>
-  <dgm:styleLbl name="asst4">
-    <dgm:scene3d>
-      <a:camera prst="orthographicFront"/>
-      <a:lightRig rig="threePt" dir="t"/>
-    </dgm:scene3d>
-    <dgm:sp3d/>
-    <dgm:txPr/>
-    <dgm:style>
-      <a:lnRef idx="0">
-        <a:scrgbClr r="0" g="0" b="0"/>
-      </a:lnRef>
-      <a:fillRef idx="3">
-        <a:scrgbClr r="0" g="0" b="0"/>
-      </a:fillRef>
-      <a:effectRef idx="2">
-        <a:scrgbClr r="0" g="0" b="0"/>
-      </a:effectRef>
-      <a:fontRef idx="minor">
-        <a:schemeClr val="lt1"/>
-      </a:fontRef>
-    </dgm:style>
-  </dgm:styleLbl>
-  <dgm:styleLbl name="parChTrans2D1">
-    <dgm:scene3d>
-      <a:camera prst="orthographicFront"/>
-      <a:lightRig rig="threePt" dir="t"/>
-    </dgm:scene3d>
-    <dgm:sp3d/>
-    <dgm:txPr/>
-    <dgm:style>
-      <a:lnRef idx="0">
-        <a:scrgbClr r="0" g="0" b="0"/>
-      </a:lnRef>
-      <a:fillRef idx="3">
-        <a:scrgbClr r="0" g="0" b="0"/>
-      </a:fillRef>
-      <a:effectRef idx="2">
-        <a:scrgbClr r="0" g="0" b="0"/>
-      </a:effectRef>
-      <a:fontRef idx="minor">
-        <a:schemeClr val="lt1"/>
-      </a:fontRef>
-    </dgm:style>
-  </dgm:styleLbl>
-  <dgm:styleLbl name="parChTrans2D2">
-    <dgm:scene3d>
-      <a:camera prst="orthographicFront"/>
-      <a:lightRig rig="threePt" dir="t"/>
-    </dgm:scene3d>
-    <dgm:sp3d/>
-    <dgm:txPr/>
-    <dgm:style>
-      <a:lnRef idx="0">
-        <a:scrgbClr r="0" g="0" b="0"/>
-      </a:lnRef>
-      <a:fillRef idx="3">
-        <a:scrgbClr r="0" g="0" b="0"/>
-      </a:fillRef>
-      <a:effectRef idx="2">
-        <a:scrgbClr r="0" g="0" b="0"/>
-      </a:effectRef>
-      <a:fontRef idx="minor">
-        <a:schemeClr val="lt1"/>
-      </a:fontRef>
-    </dgm:style>
-  </dgm:styleLbl>
-  <dgm:styleLbl name="parChTrans2D3">
-    <dgm:scene3d>
-      <a:camera prst="orthographicFront"/>
-      <a:lightRig rig="threePt" dir="t"/>
-    </dgm:scene3d>
-    <dgm:sp3d/>
-    <dgm:txPr/>
-    <dgm:style>
-      <a:lnRef idx="1">
-        <a:scrgbClr r="0" g="0" b="0"/>
-      </a:lnRef>
-      <a:fillRef idx="3">
-        <a:scrgbClr r="0" g="0" b="0"/>
-      </a:fillRef>
-      <a:effectRef idx="2">
-        <a:scrgbClr r="0" g="0" b="0"/>
-      </a:effectRef>
-      <a:fontRef idx="minor">
-        <a:schemeClr val="lt1"/>
-      </a:fontRef>
-    </dgm:style>
-  </dgm:styleLbl>
-  <dgm:styleLbl name="parChTrans2D4">
-    <dgm:scene3d>
-      <a:camera prst="orthographicFront"/>
-      <a:lightRig rig="threePt" dir="t"/>
-    </dgm:scene3d>
-    <dgm:sp3d/>
-    <dgm:txPr/>
-    <dgm:style>
-      <a:lnRef idx="1">
-        <a:scrgbClr r="0" g="0" b="0"/>
-      </a:lnRef>
-      <a:fillRef idx="3">
-        <a:scrgbClr r="0" g="0" b="0"/>
-      </a:fillRef>
-      <a:effectRef idx="2">
-        <a:scrgbClr r="0" g="0" b="0"/>
-      </a:effectRef>
-      <a:fontRef idx="minor">
-        <a:schemeClr val="lt1"/>
-      </a:fontRef>
-    </dgm:style>
-  </dgm:styleLbl>
-  <dgm:styleLbl name="parChTrans1D1">
-    <dgm:scene3d>
-      <a:camera prst="orthographicFront"/>
-      <a:lightRig rig="threePt" dir="t"/>
-    </dgm:scene3d>
-    <dgm:sp3d/>
-    <dgm:txPr/>
-    <dgm:style>
-      <a:lnRef idx="1">
-        <a:scrgbClr r="0" g="0" b="0"/>
-      </a:lnRef>
-      <a:fillRef idx="0">
-        <a:scrgbClr r="0" g="0" b="0"/>
-      </a:fillRef>
-      <a:effectRef idx="0">
-        <a:scrgbClr r="0" g="0" b="0"/>
-      </a:effectRef>
-      <a:fontRef idx="minor"/>
-    </dgm:style>
-  </dgm:styleLbl>
-  <dgm:styleLbl name="parChTrans1D2">
-    <dgm:scene3d>
-      <a:camera prst="orthographicFront"/>
-      <a:lightRig rig="threePt" dir="t"/>
-    </dgm:scene3d>
-    <dgm:sp3d/>
-    <dgm:txPr/>
-    <dgm:style>
-      <a:lnRef idx="1">
-        <a:scrgbClr r="0" g="0" b="0"/>
-      </a:lnRef>
-      <a:fillRef idx="0">
-        <a:scrgbClr r="0" g="0" b="0"/>
-      </a:fillRef>
-      <a:effectRef idx="0">
-        <a:scrgbClr r="0" g="0" b="0"/>
-      </a:effectRef>
-      <a:fontRef idx="minor"/>
-    </dgm:style>
-  </dgm:styleLbl>
-  <dgm:styleLbl name="parChTrans1D3">
-    <dgm:scene3d>
-      <a:camera prst="orthographicFront"/>
-      <a:lightRig rig="threePt" dir="t"/>
-    </dgm:scene3d>
-    <dgm:sp3d/>
-    <dgm:txPr/>
-    <dgm:style>
-      <a:lnRef idx="1">
-        <a:scrgbClr r="0" g="0" b="0"/>
-      </a:lnRef>
-      <a:fillRef idx="0">
-        <a:scrgbClr r="0" g="0" b="0"/>
-      </a:fillRef>
-      <a:effectRef idx="0">
-        <a:scrgbClr r="0" g="0" b="0"/>
-      </a:effectRef>
-      <a:fontRef idx="minor"/>
-    </dgm:style>
-  </dgm:styleLbl>
-  <dgm:styleLbl name="parChTrans1D4">
-    <dgm:scene3d>
-      <a:camera prst="orthographicFront"/>
-      <a:lightRig rig="threePt" dir="t"/>
-    </dgm:scene3d>
-    <dgm:sp3d/>
-    <dgm:txPr/>
-    <dgm:style>
-      <a:lnRef idx="1">
-        <a:scrgbClr r="0" g="0" b="0"/>
-      </a:lnRef>
-      <a:fillRef idx="0">
-        <a:scrgbClr r="0" g="0" b="0"/>
-      </a:fillRef>
-      <a:effectRef idx="0">
-        <a:scrgbClr r="0" g="0" b="0"/>
-      </a:effectRef>
-      <a:fontRef idx="minor"/>
-    </dgm:style>
-  </dgm:styleLbl>
-  <dgm:styleLbl name="fgAcc1">
-    <dgm:scene3d>
-      <a:camera prst="orthographicFront"/>
-      <a:lightRig rig="threePt" dir="t"/>
-    </dgm:scene3d>
-    <dgm:sp3d/>
-    <dgm:txPr/>
-    <dgm:style>
-      <a:lnRef idx="1">
-        <a:scrgbClr r="0" g="0" b="0"/>
-      </a:lnRef>
-      <a:fillRef idx="1">
-        <a:scrgbClr r="0" g="0" b="0"/>
-      </a:fillRef>
-      <a:effectRef idx="0">
-        <a:scrgbClr r="0" g="0" b="0"/>
-      </a:effectRef>
-      <a:fontRef idx="minor"/>
-    </dgm:style>
-  </dgm:styleLbl>
-  <dgm:styleLbl name="conFgAcc1">
-    <dgm:scene3d>
-      <a:camera prst="orthographicFront"/>
-      <a:lightRig rig="threePt" dir="t"/>
-    </dgm:scene3d>
-    <dgm:sp3d/>
-    <dgm:txPr/>
-    <dgm:style>
-      <a:lnRef idx="1">
-        <a:scrgbClr r="0" g="0" b="0"/>
-      </a:lnRef>
-      <a:fillRef idx="1">
-        <a:scrgbClr r="0" g="0" b="0"/>
-      </a:fillRef>
-      <a:effectRef idx="0">
-        <a:scrgbClr r="0" g="0" b="0"/>
-      </a:effectRef>
-      <a:fontRef idx="minor"/>
-    </dgm:style>
-  </dgm:styleLbl>
-  <dgm:styleLbl name="alignAcc1">
-    <dgm:scene3d>
-      <a:camera prst="orthographicFront"/>
-      <a:lightRig rig="threePt" dir="t"/>
-    </dgm:scene3d>
-    <dgm:sp3d/>
-    <dgm:txPr/>
-    <dgm:style>
-      <a:lnRef idx="1">
-        <a:scrgbClr r="0" g="0" b="0"/>
-      </a:lnRef>
-      <a:fillRef idx="1">
-        <a:scrgbClr r="0" g="0" b="0"/>
-      </a:fillRef>
-      <a:effectRef idx="0">
-        <a:scrgbClr r="0" g="0" b="0"/>
-      </a:effectRef>
-      <a:fontRef idx="minor"/>
-    </dgm:style>
-  </dgm:styleLbl>
-  <dgm:styleLbl name="trAlignAcc1">
-    <dgm:scene3d>
-      <a:camera prst="orthographicFront"/>
-      <a:lightRig rig="threePt" dir="t"/>
-    </dgm:scene3d>
-    <dgm:sp3d/>
-    <dgm:txPr/>
-    <dgm:style>
-      <a:lnRef idx="1">
-        <a:scrgbClr r="0" g="0" b="0"/>
-      </a:lnRef>
-      <a:fillRef idx="1">
-        <a:scrgbClr r="0" g="0" b="0"/>
-      </a:fillRef>
-      <a:effectRef idx="0">
-        <a:scrgbClr r="0" g="0" b="0"/>
-      </a:effectRef>
-      <a:fontRef idx="minor"/>
-    </dgm:style>
-  </dgm:styleLbl>
-  <dgm:styleLbl name="bgAcc1">
-    <dgm:scene3d>
-      <a:camera prst="orthographicFront"/>
-      <a:lightRig rig="threePt" dir="t"/>
-    </dgm:scene3d>
-    <dgm:sp3d/>
-    <dgm:txPr/>
-    <dgm:style>
-      <a:lnRef idx="1">
-        <a:scrgbClr r="0" g="0" b="0"/>
-      </a:lnRef>
-      <a:fillRef idx="1">
-        <a:scrgbClr r="0" g="0" b="0"/>
-      </a:fillRef>
-      <a:effectRef idx="0">
-        <a:scrgbClr r="0" g="0" b="0"/>
-      </a:effectRef>
-      <a:fontRef idx="minor"/>
-    </dgm:style>
-  </dgm:styleLbl>
-  <dgm:styleLbl name="solidFgAcc1">
-    <dgm:scene3d>
-      <a:camera prst="orthographicFront"/>
-      <a:lightRig rig="threePt" dir="t"/>
-    </dgm:scene3d>
-    <dgm:sp3d/>
-    <dgm:txPr/>
-    <dgm:style>
-      <a:lnRef idx="1">
-        <a:scrgbClr r="0" g="0" b="0"/>
-      </a:lnRef>
-      <a:fillRef idx="1">
-        <a:scrgbClr r="0" g="0" b="0"/>
-      </a:fillRef>
-      <a:effectRef idx="0">
-        <a:scrgbClr r="0" g="0" b="0"/>
-      </a:effectRef>
-      <a:fontRef idx="minor"/>
-    </dgm:style>
-  </dgm:styleLbl>
-  <dgm:styleLbl name="solidAlignAcc1">
-    <dgm:scene3d>
-      <a:camera prst="orthographicFront"/>
-      <a:lightRig rig="threePt" dir="t"/>
-    </dgm:scene3d>
-    <dgm:sp3d/>
-    <dgm:txPr/>
-    <dgm:style>
-      <a:lnRef idx="1">
-        <a:scrgbClr r="0" g="0" b="0"/>
-      </a:lnRef>
-      <a:fillRef idx="1">
-        <a:scrgbClr r="0" g="0" b="0"/>
-      </a:fillRef>
-      <a:effectRef idx="0">
-        <a:scrgbClr r="0" g="0" b="0"/>
-      </a:effectRef>
-      <a:fontRef idx="minor"/>
-    </dgm:style>
-  </dgm:styleLbl>
-  <dgm:styleLbl name="solidBgAcc1">
-    <dgm:scene3d>
-      <a:camera prst="orthographicFront"/>
-      <a:lightRig rig="threePt" dir="t"/>
-    </dgm:scene3d>
-    <dgm:sp3d/>
-    <dgm:txPr/>
-    <dgm:style>
-      <a:lnRef idx="1">
-        <a:scrgbClr r="0" g="0" b="0"/>
-      </a:lnRef>
-      <a:fillRef idx="1">
-        <a:scrgbClr r="0" g="0" b="0"/>
-      </a:fillRef>
-      <a:effectRef idx="0">
-        <a:scrgbClr r="0" g="0" b="0"/>
-      </a:effectRef>
-      <a:fontRef idx="minor"/>
-    </dgm:style>
-  </dgm:styleLbl>
-  <dgm:styleLbl name="fgAccFollowNode1">
-    <dgm:scene3d>
-      <a:camera prst="orthographicFront"/>
-      <a:lightRig rig="threePt" dir="t"/>
-    </dgm:scene3d>
-    <dgm:sp3d/>
-    <dgm:txPr/>
-    <dgm:style>
-      <a:lnRef idx="1">
-        <a:scrgbClr r="0" g="0" b="0"/>
-      </a:lnRef>
-      <a:fillRef idx="1">
-        <a:scrgbClr r="0" g="0" b="0"/>
-      </a:fillRef>
-      <a:effectRef idx="0">
-        <a:scrgbClr r="0" g="0" b="0"/>
-      </a:effectRef>
-      <a:fontRef idx="minor"/>
-    </dgm:style>
-  </dgm:styleLbl>
-  <dgm:styleLbl name="alignAccFollowNode1">
-    <dgm:scene3d>
-      <a:camera prst="orthographicFront"/>
-      <a:lightRig rig="threePt" dir="t"/>
-    </dgm:scene3d>
-    <dgm:sp3d/>
-    <dgm:txPr/>
-    <dgm:style>
-      <a:lnRef idx="1">
-        <a:scrgbClr r="0" g="0" b="0"/>
-      </a:lnRef>
-      <a:fillRef idx="1">
-        <a:scrgbClr r="0" g="0" b="0"/>
-      </a:fillRef>
-      <a:effectRef idx="0">
-        <a:scrgbClr r="0" g="0" b="0"/>
-      </a:effectRef>
-      <a:fontRef idx="minor"/>
-    </dgm:style>
-  </dgm:styleLbl>
-  <dgm:styleLbl name="bgAccFollowNode1">
-    <dgm:scene3d>
-      <a:camera prst="orthographicFront"/>
-      <a:lightRig rig="threePt" dir="t"/>
-    </dgm:scene3d>
-    <dgm:sp3d/>
-    <dgm:txPr/>
-    <dgm:style>
-      <a:lnRef idx="1">
-        <a:scrgbClr r="0" g="0" b="0"/>
-      </a:lnRef>
-      <a:fillRef idx="1">
-        <a:scrgbClr r="0" g="0" b="0"/>
-      </a:fillRef>
-      <a:effectRef idx="0">
-        <a:scrgbClr r="0" g="0" b="0"/>
-      </a:effectRef>
-      <a:fontRef idx="minor"/>
-    </dgm:style>
-  </dgm:styleLbl>
-  <dgm:styleLbl name="fgAcc0">
-    <dgm:scene3d>
-      <a:camera prst="orthographicFront"/>
-      <a:lightRig rig="threePt" dir="t"/>
-    </dgm:scene3d>
-    <dgm:sp3d/>
-    <dgm:txPr/>
-    <dgm:style>
-      <a:lnRef idx="1">
-        <a:scrgbClr r="0" g="0" b="0"/>
-      </a:lnRef>
-      <a:fillRef idx="1">
-        <a:scrgbClr r="0" g="0" b="0"/>
-      </a:fillRef>
-      <a:effectRef idx="0">
-        <a:scrgbClr r="0" g="0" b="0"/>
-      </a:effectRef>
-      <a:fontRef idx="minor"/>
-    </dgm:style>
-  </dgm:styleLbl>
-  <dgm:styleLbl name="fgAcc2">
-    <dgm:scene3d>
-      <a:camera prst="orthographicFront"/>
-      <a:lightRig rig="threePt" dir="t"/>
-    </dgm:scene3d>
-    <dgm:sp3d/>
-    <dgm:txPr/>
-    <dgm:style>
-      <a:lnRef idx="1">
-        <a:scrgbClr r="0" g="0" b="0"/>
-      </a:lnRef>
-      <a:fillRef idx="1">
-        <a:scrgbClr r="0" g="0" b="0"/>
-      </a:fillRef>
-      <a:effectRef idx="0">
-        <a:scrgbClr r="0" g="0" b="0"/>
-      </a:effectRef>
-      <a:fontRef idx="minor"/>
-    </dgm:style>
-  </dgm:styleLbl>
-  <dgm:styleLbl name="fgAcc3">
-    <dgm:scene3d>
-      <a:camera prst="orthographicFront"/>
-      <a:lightRig rig="threePt" dir="t"/>
-    </dgm:scene3d>
-    <dgm:sp3d/>
-    <dgm:txPr/>
-    <dgm:style>
-      <a:lnRef idx="1">
-        <a:scrgbClr r="0" g="0" b="0"/>
-      </a:lnRef>
-      <a:fillRef idx="1">
-        <a:scrgbClr r="0" g="0" b="0"/>
-      </a:fillRef>
-      <a:effectRef idx="0">
-        <a:scrgbClr r="0" g="0" b="0"/>
-      </a:effectRef>
-      <a:fontRef idx="minor"/>
-    </dgm:style>
-  </dgm:styleLbl>
-  <dgm:styleLbl name="fgAcc4">
-    <dgm:scene3d>
-      <a:camera prst="orthographicFront"/>
-      <a:lightRig rig="threePt" dir="t"/>
-    </dgm:scene3d>
-    <dgm:sp3d/>
-    <dgm:txPr/>
-    <dgm:style>
-      <a:lnRef idx="1">
-        <a:scrgbClr r="0" g="0" b="0"/>
-      </a:lnRef>
-      <a:fillRef idx="1">
-        <a:scrgbClr r="0" g="0" b="0"/>
-      </a:fillRef>
-      <a:effectRef idx="0">
-        <a:scrgbClr r="0" g="0" b="0"/>
-      </a:effectRef>
-      <a:fontRef idx="minor"/>
-    </dgm:style>
-  </dgm:styleLbl>
-  <dgm:styleLbl name="bgShp">
-    <dgm:scene3d>
-      <a:camera prst="orthographicFront"/>
-      <a:lightRig rig="threePt" dir="t"/>
-    </dgm:scene3d>
-    <dgm:sp3d/>
-    <dgm:txPr/>
-    <dgm:style>
-      <a:lnRef idx="0">
-        <a:scrgbClr r="0" g="0" b="0"/>
-      </a:lnRef>
-      <a:fillRef idx="1">
-        <a:scrgbClr r="0" g="0" b="0"/>
-      </a:fillRef>
-      <a:effectRef idx="2">
-        <a:scrgbClr r="0" g="0" b="0"/>
-      </a:effectRef>
-      <a:fontRef idx="minor"/>
-    </dgm:style>
-  </dgm:styleLbl>
-  <dgm:styleLbl name="dkBgShp">
-    <dgm:scene3d>
-      <a:camera prst="orthographicFront"/>
-      <a:lightRig rig="threePt" dir="t"/>
-    </dgm:scene3d>
-    <dgm:sp3d/>
-    <dgm:txPr/>
-    <dgm:style>
-      <a:lnRef idx="0">
-        <a:scrgbClr r="0" g="0" b="0"/>
-      </a:lnRef>
-      <a:fillRef idx="1">
-        <a:scrgbClr r="0" g="0" b="0"/>
-      </a:fillRef>
-      <a:effectRef idx="2">
-        <a:scrgbClr r="0" g="0" b="0"/>
-      </a:effectRef>
-      <a:fontRef idx="minor"/>
-    </dgm:style>
-  </dgm:styleLbl>
-  <dgm:styleLbl name="trBgShp">
-    <dgm:scene3d>
-      <a:camera prst="orthographicFront"/>
-      <a:lightRig rig="threePt" dir="t"/>
-    </dgm:scene3d>
-    <dgm:sp3d/>
-    <dgm:txPr/>
-    <dgm:style>
-      <a:lnRef idx="0">
-        <a:scrgbClr r="0" g="0" b="0"/>
-      </a:lnRef>
-      <a:fillRef idx="1">
-        <a:scrgbClr r="0" g="0" b="0"/>
-      </a:fillRef>
-      <a:effectRef idx="0">
-        <a:scrgbClr r="0" g="0" b="0"/>
-      </a:effectRef>
-      <a:fontRef idx="minor"/>
-    </dgm:style>
-  </dgm:styleLbl>
-  <dgm:styleLbl name="fgShp">
-    <dgm:scene3d>
-      <a:camera prst="orthographicFront"/>
-      <a:lightRig rig="threePt" dir="t"/>
-    </dgm:scene3d>
-    <dgm:sp3d/>
-    <dgm:txPr/>
-    <dgm:style>
-      <a:lnRef idx="0">
-        <a:scrgbClr r="0" g="0" b="0"/>
-      </a:lnRef>
-      <a:fillRef idx="3">
-        <a:scrgbClr r="0" g="0" b="0"/>
-      </a:fillRef>
-      <a:effectRef idx="2">
-        <a:scrgbClr r="0" g="0" b="0"/>
-      </a:effectRef>
-      <a:fontRef idx="minor"/>
-    </dgm:style>
-  </dgm:styleLbl>
-  <dgm:styleLbl name="revTx">
-    <dgm:scene3d>
-      <a:camera prst="orthographicFront"/>
-      <a:lightRig rig="threePt" dir="t"/>
-    </dgm:scene3d>
-    <dgm:sp3d/>
-    <dgm:txPr/>
-    <dgm:style>
-      <a:lnRef idx="0">
-        <a:scrgbClr r="0" g="0" b="0"/>
-      </a:lnRef>
-      <a:fillRef idx="0">
-        <a:scrgbClr r="0" g="0" b="0"/>
-      </a:fillRef>
-      <a:effectRef idx="0">
-        <a:scrgbClr r="0" g="0" b="0"/>
-      </a:effectRef>
-      <a:fontRef idx="minor"/>
-    </dgm:style>
-  </dgm:styleLbl>
-</dgm:styleDef>
-</file>
-
-<file path=ppt/diagrams/quickStyle3.xml><?xml version="1.0" encoding="utf-8"?>
 <dgm:styleDef xmlns:dgm="http://schemas.openxmlformats.org/drawingml/2006/diagram" xmlns:a="http://schemas.openxmlformats.org/drawingml/2006/main" uniqueId="urn:microsoft.com/office/officeart/2005/8/quickstyle/simple4">
   <dgm:title val=""/>
   <dgm:desc val=""/>
@@ -10248,7 +7544,7 @@
           <a:p>
             <a:fld id="{9F7DA3F9-0C85-4549-B397-56B9092BADCE}" type="datetimeFigureOut">
               <a:rPr lang="LID4096" smtClean="0"/>
-              <a:t>03/30/2023</a:t>
+              <a:t>05/09/2023</a:t>
             </a:fld>
             <a:endParaRPr lang="LID4096"/>
           </a:p>
@@ -10448,7 +7744,7 @@
           <a:p>
             <a:fld id="{9F7DA3F9-0C85-4549-B397-56B9092BADCE}" type="datetimeFigureOut">
               <a:rPr lang="LID4096" smtClean="0"/>
-              <a:t>03/30/2023</a:t>
+              <a:t>05/09/2023</a:t>
             </a:fld>
             <a:endParaRPr lang="LID4096"/>
           </a:p>
@@ -10658,7 +7954,7 @@
           <a:p>
             <a:fld id="{9F7DA3F9-0C85-4549-B397-56B9092BADCE}" type="datetimeFigureOut">
               <a:rPr lang="LID4096" smtClean="0"/>
-              <a:t>03/30/2023</a:t>
+              <a:t>05/09/2023</a:t>
             </a:fld>
             <a:endParaRPr lang="LID4096"/>
           </a:p>
@@ -10858,7 +8154,7 @@
           <a:p>
             <a:fld id="{9F7DA3F9-0C85-4549-B397-56B9092BADCE}" type="datetimeFigureOut">
               <a:rPr lang="LID4096" smtClean="0"/>
-              <a:t>03/30/2023</a:t>
+              <a:t>05/09/2023</a:t>
             </a:fld>
             <a:endParaRPr lang="LID4096"/>
           </a:p>
@@ -11134,7 +8430,7 @@
           <a:p>
             <a:fld id="{9F7DA3F9-0C85-4549-B397-56B9092BADCE}" type="datetimeFigureOut">
               <a:rPr lang="LID4096" smtClean="0"/>
-              <a:t>03/30/2023</a:t>
+              <a:t>05/09/2023</a:t>
             </a:fld>
             <a:endParaRPr lang="LID4096"/>
           </a:p>
@@ -11402,7 +8698,7 @@
           <a:p>
             <a:fld id="{9F7DA3F9-0C85-4549-B397-56B9092BADCE}" type="datetimeFigureOut">
               <a:rPr lang="LID4096" smtClean="0"/>
-              <a:t>03/30/2023</a:t>
+              <a:t>05/09/2023</a:t>
             </a:fld>
             <a:endParaRPr lang="LID4096"/>
           </a:p>
@@ -11817,7 +9113,7 @@
           <a:p>
             <a:fld id="{9F7DA3F9-0C85-4549-B397-56B9092BADCE}" type="datetimeFigureOut">
               <a:rPr lang="LID4096" smtClean="0"/>
-              <a:t>03/30/2023</a:t>
+              <a:t>05/09/2023</a:t>
             </a:fld>
             <a:endParaRPr lang="LID4096"/>
           </a:p>
@@ -11959,7 +9255,7 @@
           <a:p>
             <a:fld id="{9F7DA3F9-0C85-4549-B397-56B9092BADCE}" type="datetimeFigureOut">
               <a:rPr lang="LID4096" smtClean="0"/>
-              <a:t>03/30/2023</a:t>
+              <a:t>05/09/2023</a:t>
             </a:fld>
             <a:endParaRPr lang="LID4096"/>
           </a:p>
@@ -12072,7 +9368,7 @@
           <a:p>
             <a:fld id="{9F7DA3F9-0C85-4549-B397-56B9092BADCE}" type="datetimeFigureOut">
               <a:rPr lang="LID4096" smtClean="0"/>
-              <a:t>03/30/2023</a:t>
+              <a:t>05/09/2023</a:t>
             </a:fld>
             <a:endParaRPr lang="LID4096"/>
           </a:p>
@@ -12385,7 +9681,7 @@
           <a:p>
             <a:fld id="{9F7DA3F9-0C85-4549-B397-56B9092BADCE}" type="datetimeFigureOut">
               <a:rPr lang="LID4096" smtClean="0"/>
-              <a:t>03/30/2023</a:t>
+              <a:t>05/09/2023</a:t>
             </a:fld>
             <a:endParaRPr lang="LID4096"/>
           </a:p>
@@ -12674,7 +9970,7 @@
           <a:p>
             <a:fld id="{9F7DA3F9-0C85-4549-B397-56B9092BADCE}" type="datetimeFigureOut">
               <a:rPr lang="LID4096" smtClean="0"/>
-              <a:t>03/30/2023</a:t>
+              <a:t>05/09/2023</a:t>
             </a:fld>
             <a:endParaRPr lang="LID4096"/>
           </a:p>
@@ -12917,7 +10213,7 @@
           <a:p>
             <a:fld id="{9F7DA3F9-0C85-4549-B397-56B9092BADCE}" type="datetimeFigureOut">
               <a:rPr lang="LID4096" smtClean="0"/>
-              <a:t>03/30/2023</a:t>
+              <a:t>05/09/2023</a:t>
             </a:fld>
             <a:endParaRPr lang="LID4096"/>
           </a:p>
@@ -19947,10 +17243,587 @@
       </p:grpSpPr>
       <p:sp useBgFill="1">
         <p:nvSpPr>
-          <p:cNvPr id="9" name="Rectangle 8">
+          <p:cNvPr id="67" name="Rectangle 66">
             <a:extLst>
               <a:ext uri="{FF2B5EF4-FFF2-40B4-BE49-F238E27FC236}">
-                <a16:creationId xmlns:a16="http://schemas.microsoft.com/office/drawing/2014/main" id="{BACC6370-2D7E-4714-9D71-7542949D7D5D}"/>
+                <a16:creationId xmlns:a16="http://schemas.microsoft.com/office/drawing/2014/main" id="{84ECDE7A-6944-466D-8FFE-149A29BA6BAE}"/>
+              </a:ext>
+              <a:ext uri="{C183D7F6-B498-43B3-948B-1728B52AA6E4}">
+                <adec:decorative xmlns:adec="http://schemas.microsoft.com/office/drawing/2017/decorative" val="1"/>
+              </a:ext>
+            </a:extLst>
+          </p:cNvPr>
+          <p:cNvSpPr>
+            <a:spLocks noGrp="1" noRot="1" noChangeAspect="1" noMove="1" noResize="1" noEditPoints="1" noAdjustHandles="1" noChangeArrowheads="1" noChangeShapeType="1" noTextEdit="1"/>
+          </p:cNvSpPr>
+          <p:nvPr>
+            <p:extLst>
+              <p:ext uri="{386F3935-93C4-4BCD-93E2-E3B085C9AB24}">
+                <p16:designElem xmlns:p16="http://schemas.microsoft.com/office/powerpoint/2015/main" val="1"/>
+              </p:ext>
+            </p:extLst>
+          </p:nvPr>
+        </p:nvSpPr>
+        <p:spPr>
+          <a:xfrm>
+            <a:off x="0" y="0"/>
+            <a:ext cx="12192000" cy="6858000"/>
+          </a:xfrm>
+          <a:prstGeom prst="rect">
+            <a:avLst/>
+          </a:prstGeom>
+          <a:ln>
+            <a:noFill/>
+          </a:ln>
+        </p:spPr>
+        <p:style>
+          <a:lnRef idx="2">
+            <a:schemeClr val="accent1">
+              <a:shade val="50000"/>
+            </a:schemeClr>
+          </a:lnRef>
+          <a:fillRef idx="1">
+            <a:schemeClr val="accent1"/>
+          </a:fillRef>
+          <a:effectRef idx="0">
+            <a:schemeClr val="accent1"/>
+          </a:effectRef>
+          <a:fontRef idx="minor">
+            <a:schemeClr val="lt1"/>
+          </a:fontRef>
+        </p:style>
+        <p:txBody>
+          <a:bodyPr rtlCol="0" anchor="ctr"/>
+          <a:lstStyle/>
+          <a:p>
+            <a:pPr algn="ctr"/>
+            <a:endParaRPr lang="en-US"/>
+          </a:p>
+        </p:txBody>
+      </p:sp>
+      <p:sp useBgFill="1">
+        <p:nvSpPr>
+          <p:cNvPr id="69" name="Rectangle 68">
+            <a:extLst>
+              <a:ext uri="{FF2B5EF4-FFF2-40B4-BE49-F238E27FC236}">
+                <a16:creationId xmlns:a16="http://schemas.microsoft.com/office/drawing/2014/main" id="{B3420082-9415-44EC-802E-C77D71D59C57}"/>
+              </a:ext>
+              <a:ext uri="{C183D7F6-B498-43B3-948B-1728B52AA6E4}">
+                <adec:decorative xmlns:adec="http://schemas.microsoft.com/office/drawing/2017/decorative" val="1"/>
+              </a:ext>
+            </a:extLst>
+          </p:cNvPr>
+          <p:cNvSpPr>
+            <a:spLocks noGrp="1" noRot="1" noChangeAspect="1" noMove="1" noResize="1" noEditPoints="1" noAdjustHandles="1" noChangeArrowheads="1" noChangeShapeType="1" noTextEdit="1"/>
+          </p:cNvSpPr>
+          <p:nvPr>
+            <p:extLst>
+              <p:ext uri="{386F3935-93C4-4BCD-93E2-E3B085C9AB24}">
+                <p16:designElem xmlns:p16="http://schemas.microsoft.com/office/powerpoint/2015/main" val="1"/>
+              </p:ext>
+            </p:extLst>
+          </p:nvPr>
+        </p:nvSpPr>
+        <p:spPr>
+          <a:xfrm>
+            <a:off x="558209" y="0"/>
+            <a:ext cx="11167447" cy="2018806"/>
+          </a:xfrm>
+          <a:prstGeom prst="rect">
+            <a:avLst/>
+          </a:prstGeom>
+          <a:ln w="12700">
+            <a:solidFill>
+              <a:srgbClr val="E1E1E1"/>
+            </a:solidFill>
+          </a:ln>
+          <a:effectLst>
+            <a:outerShdw blurRad="50800" dist="38100" dir="2700000" algn="tl" rotWithShape="0">
+              <a:schemeClr val="bg1">
+                <a:lumMod val="85000"/>
+                <a:alpha val="50000"/>
+              </a:schemeClr>
+            </a:outerShdw>
+          </a:effectLst>
+        </p:spPr>
+        <p:style>
+          <a:lnRef idx="2">
+            <a:schemeClr val="accent1">
+              <a:shade val="50000"/>
+            </a:schemeClr>
+          </a:lnRef>
+          <a:fillRef idx="1">
+            <a:schemeClr val="accent1"/>
+          </a:fillRef>
+          <a:effectRef idx="0">
+            <a:schemeClr val="accent1"/>
+          </a:effectRef>
+          <a:fontRef idx="minor">
+            <a:schemeClr val="lt1"/>
+          </a:fontRef>
+        </p:style>
+        <p:txBody>
+          <a:bodyPr rtlCol="0" anchor="ctr"/>
+          <a:lstStyle/>
+          <a:p>
+            <a:pPr marL="0" marR="0" lvl="0" indent="0" algn="ctr" defTabSz="914400" rtl="0" eaLnBrk="1" fontAlgn="auto" latinLnBrk="0" hangingPunct="1">
+              <a:lnSpc>
+                <a:spcPct val="100000"/>
+              </a:lnSpc>
+              <a:spcBef>
+                <a:spcPts val="0"/>
+              </a:spcBef>
+              <a:spcAft>
+                <a:spcPts val="0"/>
+              </a:spcAft>
+              <a:buClrTx/>
+              <a:buSzTx/>
+              <a:buFontTx/>
+              <a:buNone/>
+              <a:tabLst/>
+              <a:defRPr/>
+            </a:pPr>
+            <a:endParaRPr kumimoji="0" lang="en-US" sz="1800" b="0" i="0" u="none" strike="noStrike" kern="1200" cap="none" spc="0" normalizeH="0" baseline="0" noProof="0">
+              <a:ln>
+                <a:noFill/>
+              </a:ln>
+              <a:solidFill>
+                <a:prstClr val="white"/>
+              </a:solidFill>
+              <a:effectLst/>
+              <a:uLnTx/>
+              <a:uFillTx/>
+              <a:latin typeface="Calibri" panose="020F0502020204030204"/>
+              <a:ea typeface="+mn-ea"/>
+              <a:cs typeface="+mn-cs"/>
+            </a:endParaRPr>
+          </a:p>
+        </p:txBody>
+      </p:sp>
+      <p:sp useBgFill="1">
+        <p:nvSpPr>
+          <p:cNvPr id="71" name="Rectangle 70">
+            <a:extLst>
+              <a:ext uri="{FF2B5EF4-FFF2-40B4-BE49-F238E27FC236}">
+                <a16:creationId xmlns:a16="http://schemas.microsoft.com/office/drawing/2014/main" id="{55A52C45-1FCB-4636-A80F-2849B8226C01}"/>
+              </a:ext>
+              <a:ext uri="{C183D7F6-B498-43B3-948B-1728B52AA6E4}">
+                <adec:decorative xmlns:adec="http://schemas.microsoft.com/office/drawing/2017/decorative" val="1"/>
+              </a:ext>
+            </a:extLst>
+          </p:cNvPr>
+          <p:cNvSpPr>
+            <a:spLocks noGrp="1" noRot="1" noChangeAspect="1" noMove="1" noResize="1" noEditPoints="1" noAdjustHandles="1" noChangeArrowheads="1" noChangeShapeType="1" noTextEdit="1"/>
+          </p:cNvSpPr>
+          <p:nvPr>
+            <p:extLst>
+              <p:ext uri="{386F3935-93C4-4BCD-93E2-E3B085C9AB24}">
+                <p16:designElem xmlns:p16="http://schemas.microsoft.com/office/powerpoint/2015/main" val="1"/>
+              </p:ext>
+            </p:extLst>
+          </p:nvPr>
+        </p:nvSpPr>
+        <p:spPr>
+          <a:xfrm>
+            <a:off x="566928" y="0"/>
+            <a:ext cx="11155680" cy="2011680"/>
+          </a:xfrm>
+          <a:prstGeom prst="rect">
+            <a:avLst/>
+          </a:prstGeom>
+          <a:ln w="12700">
+            <a:noFill/>
+          </a:ln>
+          <a:effectLst/>
+        </p:spPr>
+        <p:style>
+          <a:lnRef idx="2">
+            <a:schemeClr val="accent1">
+              <a:shade val="50000"/>
+            </a:schemeClr>
+          </a:lnRef>
+          <a:fillRef idx="1">
+            <a:schemeClr val="accent1"/>
+          </a:fillRef>
+          <a:effectRef idx="0">
+            <a:schemeClr val="accent1"/>
+          </a:effectRef>
+          <a:fontRef idx="minor">
+            <a:schemeClr val="lt1"/>
+          </a:fontRef>
+        </p:style>
+        <p:txBody>
+          <a:bodyPr rtlCol="0" anchor="ctr"/>
+          <a:lstStyle/>
+          <a:p>
+            <a:pPr marL="0" marR="0" lvl="0" indent="0" algn="ctr" defTabSz="914400" rtl="0" eaLnBrk="1" fontAlgn="auto" latinLnBrk="0" hangingPunct="1">
+              <a:lnSpc>
+                <a:spcPct val="100000"/>
+              </a:lnSpc>
+              <a:spcBef>
+                <a:spcPts val="0"/>
+              </a:spcBef>
+              <a:spcAft>
+                <a:spcPts val="0"/>
+              </a:spcAft>
+              <a:buClrTx/>
+              <a:buSzTx/>
+              <a:buFontTx/>
+              <a:buNone/>
+              <a:tabLst/>
+              <a:defRPr/>
+            </a:pPr>
+            <a:endParaRPr kumimoji="0" lang="en-US" sz="1800" b="0" i="0" u="none" strike="noStrike" kern="1200" cap="none" spc="0" normalizeH="0" baseline="0" noProof="0">
+              <a:ln>
+                <a:noFill/>
+              </a:ln>
+              <a:solidFill>
+                <a:prstClr val="white"/>
+              </a:solidFill>
+              <a:effectLst/>
+              <a:uLnTx/>
+              <a:uFillTx/>
+              <a:latin typeface="Calibri" panose="020F0502020204030204"/>
+              <a:ea typeface="+mn-ea"/>
+              <a:cs typeface="+mn-cs"/>
+            </a:endParaRPr>
+          </a:p>
+        </p:txBody>
+      </p:sp>
+      <p:sp>
+        <p:nvSpPr>
+          <p:cNvPr id="2" name="Title 1">
+            <a:extLst>
+              <a:ext uri="{FF2B5EF4-FFF2-40B4-BE49-F238E27FC236}">
+                <a16:creationId xmlns:a16="http://schemas.microsoft.com/office/drawing/2014/main" id="{44BBD44D-6CF2-6506-173F-544F09E3DB84}"/>
+              </a:ext>
+            </a:extLst>
+          </p:cNvPr>
+          <p:cNvSpPr>
+            <a:spLocks noGrp="1"/>
+          </p:cNvSpPr>
+          <p:nvPr>
+            <p:ph type="title"/>
+          </p:nvPr>
+        </p:nvSpPr>
+        <p:spPr>
+          <a:xfrm>
+            <a:off x="1115568" y="548640"/>
+            <a:ext cx="10168128" cy="1179576"/>
+          </a:xfrm>
+        </p:spPr>
+        <p:txBody>
+          <a:bodyPr vert="horz" lIns="91440" tIns="45720" rIns="91440" bIns="45720" rtlCol="0">
+            <a:normAutofit/>
+          </a:bodyPr>
+          <a:lstStyle/>
+          <a:p>
+            <a:r>
+              <a:rPr lang="en-US" sz="4000"/>
+              <a:t>Foxglove App</a:t>
+            </a:r>
+          </a:p>
+        </p:txBody>
+      </p:sp>
+      <p:sp>
+        <p:nvSpPr>
+          <p:cNvPr id="73" name="Rectangle 72">
+            <a:extLst>
+              <a:ext uri="{FF2B5EF4-FFF2-40B4-BE49-F238E27FC236}">
+                <a16:creationId xmlns:a16="http://schemas.microsoft.com/office/drawing/2014/main" id="{768EB4DD-3704-43AD-92B3-C4E0C6EA92CB}"/>
+              </a:ext>
+              <a:ext uri="{C183D7F6-B498-43B3-948B-1728B52AA6E4}">
+                <adec:decorative xmlns:adec="http://schemas.microsoft.com/office/drawing/2017/decorative" val="1"/>
+              </a:ext>
+            </a:extLst>
+          </p:cNvPr>
+          <p:cNvSpPr>
+            <a:spLocks noGrp="1" noRot="1" noChangeAspect="1" noMove="1" noResize="1" noEditPoints="1" noAdjustHandles="1" noChangeArrowheads="1" noChangeShapeType="1" noTextEdit="1"/>
+          </p:cNvSpPr>
+          <p:nvPr>
+            <p:extLst>
+              <p:ext uri="{386F3935-93C4-4BCD-93E2-E3B085C9AB24}">
+                <p16:designElem xmlns:p16="http://schemas.microsoft.com/office/powerpoint/2015/main" val="1"/>
+              </p:ext>
+            </p:extLst>
+          </p:nvPr>
+        </p:nvSpPr>
+        <p:spPr>
+          <a:xfrm>
+            <a:off x="498834" y="770799"/>
+            <a:ext cx="128016" cy="704088"/>
+          </a:xfrm>
+          <a:prstGeom prst="rect">
+            <a:avLst/>
+          </a:prstGeom>
+          <a:solidFill>
+            <a:schemeClr val="accent2"/>
+          </a:solidFill>
+          <a:ln>
+            <a:noFill/>
+          </a:ln>
+        </p:spPr>
+        <p:style>
+          <a:lnRef idx="2">
+            <a:schemeClr val="accent1">
+              <a:shade val="50000"/>
+            </a:schemeClr>
+          </a:lnRef>
+          <a:fillRef idx="1">
+            <a:schemeClr val="accent1"/>
+          </a:fillRef>
+          <a:effectRef idx="0">
+            <a:schemeClr val="accent1"/>
+          </a:effectRef>
+          <a:fontRef idx="minor">
+            <a:schemeClr val="lt1"/>
+          </a:fontRef>
+        </p:style>
+        <p:txBody>
+          <a:bodyPr rtlCol="0" anchor="ctr"/>
+          <a:lstStyle/>
+          <a:p>
+            <a:pPr marL="0" marR="0" lvl="0" indent="0" algn="ctr" defTabSz="914400" rtl="0" eaLnBrk="1" fontAlgn="auto" latinLnBrk="0" hangingPunct="1">
+              <a:lnSpc>
+                <a:spcPct val="100000"/>
+              </a:lnSpc>
+              <a:spcBef>
+                <a:spcPts val="0"/>
+              </a:spcBef>
+              <a:spcAft>
+                <a:spcPts val="0"/>
+              </a:spcAft>
+              <a:buClrTx/>
+              <a:buSzTx/>
+              <a:buFontTx/>
+              <a:buNone/>
+              <a:tabLst/>
+              <a:defRPr/>
+            </a:pPr>
+            <a:endParaRPr kumimoji="0" lang="en-US" sz="1800" b="0" i="0" u="none" strike="noStrike" kern="1200" cap="none" spc="0" normalizeH="0" baseline="0" noProof="0">
+              <a:ln>
+                <a:noFill/>
+              </a:ln>
+              <a:solidFill>
+                <a:prstClr val="white"/>
+              </a:solidFill>
+              <a:effectLst/>
+              <a:uLnTx/>
+              <a:uFillTx/>
+              <a:latin typeface="Calibri" panose="020F0502020204030204"/>
+              <a:ea typeface="+mn-ea"/>
+              <a:cs typeface="+mn-cs"/>
+            </a:endParaRPr>
+          </a:p>
+        </p:txBody>
+      </p:sp>
+      <p:pic>
+        <p:nvPicPr>
+          <p:cNvPr id="4" name="Content Placeholder 3" descr="A screenshot of a computer&#10;&#10;Description automatically generated with medium confidence">
+            <a:extLst>
+              <a:ext uri="{FF2B5EF4-FFF2-40B4-BE49-F238E27FC236}">
+                <a16:creationId xmlns:a16="http://schemas.microsoft.com/office/drawing/2014/main" id="{43CC1463-F717-5F5D-BB84-9F45DA5954B5}"/>
+              </a:ext>
+            </a:extLst>
+          </p:cNvPr>
+          <p:cNvPicPr>
+            <a:picLocks noChangeAspect="1"/>
+          </p:cNvPicPr>
+          <p:nvPr/>
+        </p:nvPicPr>
+        <p:blipFill rotWithShape="1">
+          <a:blip r:embed="rId2">
+            <a:extLst>
+              <a:ext uri="{28A0092B-C50C-407E-A947-70E740481C1C}">
+                <a14:useLocalDpi xmlns:a14="http://schemas.microsoft.com/office/drawing/2010/main" val="0"/>
+              </a:ext>
+            </a:extLst>
+          </a:blip>
+          <a:srcRect l="1169" r="-2" b="-2"/>
+          <a:stretch/>
+        </p:blipFill>
+        <p:spPr>
+          <a:xfrm>
+            <a:off x="2105151" y="2018805"/>
+            <a:ext cx="7880677" cy="4844145"/>
+          </a:xfrm>
+          <a:prstGeom prst="rect">
+            <a:avLst/>
+          </a:prstGeom>
+        </p:spPr>
+      </p:pic>
+    </p:spTree>
+    <p:extLst>
+      <p:ext uri="{BB962C8B-B14F-4D97-AF65-F5344CB8AC3E}">
+        <p14:creationId xmlns:p14="http://schemas.microsoft.com/office/powerpoint/2010/main" val="1501116394"/>
+      </p:ext>
+    </p:extLst>
+  </p:cSld>
+  <p:clrMapOvr>
+    <a:masterClrMapping/>
+  </p:clrMapOvr>
+</p:sld>
+</file>
+
+<file path=ppt/slides/slide8.xml><?xml version="1.0" encoding="utf-8"?>
+<p:sld xmlns:a="http://schemas.openxmlformats.org/drawingml/2006/main" xmlns:r="http://schemas.openxmlformats.org/officeDocument/2006/relationships" xmlns:p="http://schemas.openxmlformats.org/presentationml/2006/main">
+  <p:cSld>
+    <p:spTree>
+      <p:nvGrpSpPr>
+        <p:cNvPr id="1" name=""/>
+        <p:cNvGrpSpPr/>
+        <p:nvPr/>
+      </p:nvGrpSpPr>
+      <p:grpSpPr>
+        <a:xfrm>
+          <a:off x="0" y="0"/>
+          <a:ext cx="0" cy="0"/>
+          <a:chOff x="0" y="0"/>
+          <a:chExt cx="0" cy="0"/>
+        </a:xfrm>
+      </p:grpSpPr>
+      <p:sp>
+        <p:nvSpPr>
+          <p:cNvPr id="2" name="Title 1">
+            <a:extLst>
+              <a:ext uri="{FF2B5EF4-FFF2-40B4-BE49-F238E27FC236}">
+                <a16:creationId xmlns:a16="http://schemas.microsoft.com/office/drawing/2014/main" id="{44BBD44D-6CF2-6506-173F-544F09E3DB84}"/>
+              </a:ext>
+            </a:extLst>
+          </p:cNvPr>
+          <p:cNvSpPr>
+            <a:spLocks noGrp="1"/>
+          </p:cNvSpPr>
+          <p:nvPr>
+            <p:ph type="title"/>
+          </p:nvPr>
+        </p:nvSpPr>
+        <p:spPr/>
+        <p:txBody>
+          <a:bodyPr/>
+          <a:lstStyle/>
+          <a:p>
+            <a:r>
+              <a:rPr lang="en-US" dirty="0"/>
+              <a:t>Automation of Deployment</a:t>
+            </a:r>
+            <a:endParaRPr lang="LID4096" dirty="0"/>
+          </a:p>
+        </p:txBody>
+      </p:sp>
+      <p:sp>
+        <p:nvSpPr>
+          <p:cNvPr id="3" name="Content Placeholder 2">
+            <a:extLst>
+              <a:ext uri="{FF2B5EF4-FFF2-40B4-BE49-F238E27FC236}">
+                <a16:creationId xmlns:a16="http://schemas.microsoft.com/office/drawing/2014/main" id="{4D5EC462-4B67-9C14-18D1-CFB1562BFE0D}"/>
+              </a:ext>
+            </a:extLst>
+          </p:cNvPr>
+          <p:cNvSpPr>
+            <a:spLocks noGrp="1"/>
+          </p:cNvSpPr>
+          <p:nvPr>
+            <p:ph idx="1"/>
+          </p:nvPr>
+        </p:nvSpPr>
+        <p:spPr/>
+        <p:txBody>
+          <a:bodyPr/>
+          <a:lstStyle/>
+          <a:p>
+            <a:pPr marL="0" indent="0">
+              <a:buNone/>
+            </a:pPr>
+            <a:r>
+              <a:rPr lang="en-US" dirty="0"/>
+              <a:t>Pipeline</a:t>
+            </a:r>
+          </a:p>
+          <a:p>
+            <a:pPr marL="0" indent="0">
+              <a:buNone/>
+            </a:pPr>
+            <a:r>
+              <a:rPr lang="en-US" dirty="0">
+                <a:hlinkClick r:id="rId2"/>
+              </a:rPr>
+              <a:t>https://dev.azure.com/chrysalis-innersource/Mobility%20Service%20Line/_git/avops-dataops-foundation?path=/foxglove/.pipelines/ci.yaml</a:t>
+            </a:r>
+            <a:endParaRPr lang="en-US" dirty="0"/>
+          </a:p>
+          <a:p>
+            <a:pPr marL="0" indent="0">
+              <a:buNone/>
+            </a:pPr>
+            <a:r>
+              <a:rPr lang="en-US" dirty="0"/>
+              <a:t>This automatically pulls the </a:t>
+            </a:r>
+            <a:r>
+              <a:rPr lang="en-US" dirty="0" err="1"/>
+              <a:t>containerised</a:t>
+            </a:r>
+            <a:r>
+              <a:rPr lang="en-US" dirty="0"/>
+              <a:t> foxglove docker file from  the public repository and deploy the same in the Azure Container registry. Once the deployment is done same is deployed to </a:t>
+            </a:r>
+            <a:r>
+              <a:rPr lang="en-US" dirty="0" err="1"/>
+              <a:t>webApp</a:t>
+            </a:r>
+            <a:r>
+              <a:rPr lang="en-US" dirty="0"/>
+              <a:t>.</a:t>
+            </a:r>
+            <a:endParaRPr lang="LID4096" dirty="0"/>
+          </a:p>
+        </p:txBody>
+      </p:sp>
+    </p:spTree>
+    <p:extLst>
+      <p:ext uri="{BB962C8B-B14F-4D97-AF65-F5344CB8AC3E}">
+        <p14:creationId xmlns:p14="http://schemas.microsoft.com/office/powerpoint/2010/main" val="2487661349"/>
+      </p:ext>
+    </p:extLst>
+  </p:cSld>
+  <p:clrMapOvr>
+    <a:masterClrMapping/>
+  </p:clrMapOvr>
+</p:sld>
+</file>
+
+<file path=ppt/slides/slide9.xml><?xml version="1.0" encoding="utf-8"?>
+<p:sld xmlns:a="http://schemas.openxmlformats.org/drawingml/2006/main" xmlns:r="http://schemas.openxmlformats.org/officeDocument/2006/relationships" xmlns:p="http://schemas.openxmlformats.org/presentationml/2006/main">
+  <p:cSld>
+    <p:bg>
+      <p:bgPr>
+        <a:solidFill>
+          <a:schemeClr val="bg1"/>
+        </a:solidFill>
+        <a:effectLst/>
+      </p:bgPr>
+    </p:bg>
+    <p:spTree>
+      <p:nvGrpSpPr>
+        <p:cNvPr id="1" name=""/>
+        <p:cNvGrpSpPr/>
+        <p:nvPr/>
+      </p:nvGrpSpPr>
+      <p:grpSpPr>
+        <a:xfrm>
+          <a:off x="0" y="0"/>
+          <a:ext cx="0" cy="0"/>
+          <a:chOff x="0" y="0"/>
+          <a:chExt cx="0" cy="0"/>
+        </a:xfrm>
+      </p:grpSpPr>
+      <p:sp useBgFill="1">
+        <p:nvSpPr>
+          <p:cNvPr id="8" name="Rectangle 7">
+            <a:extLst>
+              <a:ext uri="{FF2B5EF4-FFF2-40B4-BE49-F238E27FC236}">
+                <a16:creationId xmlns:a16="http://schemas.microsoft.com/office/drawing/2014/main" id="{09588DA8-065E-4F6F-8EFD-43104AB2E0CF}"/>
               </a:ext>
               <a:ext uri="{C183D7F6-B498-43B3-948B-1728B52AA6E4}">
                 <adec:decorative xmlns:adec="http://schemas.microsoft.com/office/drawing/2017/decorative" val="1"/>
@@ -20021,12 +17894,88 @@
           </a:p>
         </p:txBody>
       </p:sp>
+      <p:sp useBgFill="1">
+        <p:nvSpPr>
+          <p:cNvPr id="10" name="Rectangle 9">
+            <a:extLst>
+              <a:ext uri="{FF2B5EF4-FFF2-40B4-BE49-F238E27FC236}">
+                <a16:creationId xmlns:a16="http://schemas.microsoft.com/office/drawing/2014/main" id="{C4285719-470E-454C-AF62-8323075F1F5B}"/>
+              </a:ext>
+              <a:ext uri="{C183D7F6-B498-43B3-948B-1728B52AA6E4}">
+                <adec:decorative xmlns:adec="http://schemas.microsoft.com/office/drawing/2017/decorative" val="1"/>
+              </a:ext>
+            </a:extLst>
+          </p:cNvPr>
+          <p:cNvSpPr>
+            <a:spLocks noGrp="1" noRot="1" noChangeAspect="1" noMove="1" noResize="1" noEditPoints="1" noAdjustHandles="1" noChangeArrowheads="1" noChangeShapeType="1" noTextEdit="1"/>
+          </p:cNvSpPr>
+          <p:nvPr>
+            <p:extLst>
+              <p:ext uri="{386F3935-93C4-4BCD-93E2-E3B085C9AB24}">
+                <p16:designElem xmlns:p16="http://schemas.microsoft.com/office/powerpoint/2015/main" val="1"/>
+              </p:ext>
+            </p:extLst>
+          </p:nvPr>
+        </p:nvSpPr>
+        <p:spPr>
+          <a:xfrm>
+            <a:off x="0" y="0"/>
+            <a:ext cx="12188952" cy="6858000"/>
+          </a:xfrm>
+          <a:prstGeom prst="rect">
+            <a:avLst/>
+          </a:prstGeom>
+          <a:ln w="12700" cap="flat" cmpd="sng" algn="ctr">
+            <a:noFill/>
+            <a:prstDash val="solid"/>
+            <a:miter lim="800000"/>
+          </a:ln>
+          <a:effectLst/>
+          <a:extLst>
+            <a:ext uri="{91240B29-F687-4F45-9708-019B960494DF}">
+              <a14:hiddenLine xmlns:a14="http://schemas.microsoft.com/office/drawing/2010/main" w="12700" cap="flat" cmpd="sng" algn="ctr">
+                <a:solidFill>
+                  <a:schemeClr val="accent1">
+                    <a:shade val="50000"/>
+                  </a:schemeClr>
+                </a:solidFill>
+                <a:prstDash val="solid"/>
+                <a:miter lim="800000"/>
+              </a14:hiddenLine>
+            </a:ext>
+          </a:extLst>
+        </p:spPr>
+        <p:style>
+          <a:lnRef idx="2">
+            <a:schemeClr val="accent1">
+              <a:shade val="50000"/>
+            </a:schemeClr>
+          </a:lnRef>
+          <a:fillRef idx="1">
+            <a:schemeClr val="accent1"/>
+          </a:fillRef>
+          <a:effectRef idx="0">
+            <a:schemeClr val="accent1"/>
+          </a:effectRef>
+          <a:fontRef idx="minor">
+            <a:schemeClr val="lt1"/>
+          </a:fontRef>
+        </p:style>
+        <p:txBody>
+          <a:bodyPr rtlCol="0" anchor="ctr"/>
+          <a:lstStyle/>
+          <a:p>
+            <a:pPr algn="ctr"/>
+            <a:endParaRPr lang="en-US"/>
+          </a:p>
+        </p:txBody>
+      </p:sp>
       <p:sp>
         <p:nvSpPr>
-          <p:cNvPr id="11" name="Rectangle 10">
+          <p:cNvPr id="12" name="Rectangle 11">
             <a:extLst>
               <a:ext uri="{FF2B5EF4-FFF2-40B4-BE49-F238E27FC236}">
-                <a16:creationId xmlns:a16="http://schemas.microsoft.com/office/drawing/2014/main" id="{256B2C21-A230-48C0-8DF1-C46611373C44}"/>
+                <a16:creationId xmlns:a16="http://schemas.microsoft.com/office/drawing/2014/main" id="{CD9FE4EF-C4D8-49A0-B2FF-81D8DB7D8A24}"/>
               </a:ext>
               <a:ext uri="{C183D7F6-B498-43B3-948B-1728B52AA6E4}">
                 <adec:decorative xmlns:adec="http://schemas.microsoft.com/office/drawing/2017/decorative" val="1"/>
@@ -20096,10 +18045,10 @@
       </p:sp>
       <p:sp>
         <p:nvSpPr>
-          <p:cNvPr id="13" name="Rectangle 12">
+          <p:cNvPr id="14" name="Rectangle 13">
             <a:extLst>
               <a:ext uri="{FF2B5EF4-FFF2-40B4-BE49-F238E27FC236}">
-                <a16:creationId xmlns:a16="http://schemas.microsoft.com/office/drawing/2014/main" id="{3847E18C-932D-4C95-AABA-FEC7C9499AD7}"/>
+                <a16:creationId xmlns:a16="http://schemas.microsoft.com/office/drawing/2014/main" id="{4300840D-0A0B-4512-BACA-B439D5B9C57C}"/>
               </a:ext>
               <a:ext uri="{C183D7F6-B498-43B3-948B-1728B52AA6E4}">
                 <adec:decorative xmlns:adec="http://schemas.microsoft.com/office/drawing/2017/decorative" val="1"/>
@@ -20171,10 +18120,10 @@
       </p:sp>
       <p:sp>
         <p:nvSpPr>
-          <p:cNvPr id="15" name="Rectangle 14">
+          <p:cNvPr id="16" name="Rectangle 15">
             <a:extLst>
               <a:ext uri="{FF2B5EF4-FFF2-40B4-BE49-F238E27FC236}">
-                <a16:creationId xmlns:a16="http://schemas.microsoft.com/office/drawing/2014/main" id="{3150CB11-0C61-439E-910F-5787759E72A0}"/>
+                <a16:creationId xmlns:a16="http://schemas.microsoft.com/office/drawing/2014/main" id="{D2B78728-A580-49A7-84F9-6EF6F583ADE0}"/>
               </a:ext>
               <a:ext uri="{C183D7F6-B498-43B3-948B-1728B52AA6E4}">
                 <adec:decorative xmlns:adec="http://schemas.microsoft.com/office/drawing/2017/decorative" val="1"/>
@@ -20246,10 +18195,10 @@
       </p:sp>
       <p:sp>
         <p:nvSpPr>
-          <p:cNvPr id="17" name="Freeform: Shape 16">
+          <p:cNvPr id="18" name="Freeform: Shape 17">
             <a:extLst>
               <a:ext uri="{FF2B5EF4-FFF2-40B4-BE49-F238E27FC236}">
-                <a16:creationId xmlns:a16="http://schemas.microsoft.com/office/drawing/2014/main" id="{43F8A58B-5155-44CE-A5FF-7647B47D0A7A}"/>
+                <a16:creationId xmlns:a16="http://schemas.microsoft.com/office/drawing/2014/main" id="{38FAA1A1-D861-433F-88FA-1E9D6FD31D11}"/>
               </a:ext>
               <a:ext uri="{C183D7F6-B498-43B3-948B-1728B52AA6E4}">
                 <adec:decorative xmlns:adec="http://schemas.microsoft.com/office/drawing/2017/decorative" val="1"/>
@@ -20416,10 +18365,10 @@
       </p:sp>
       <p:sp>
         <p:nvSpPr>
-          <p:cNvPr id="19" name="Rectangle 18">
+          <p:cNvPr id="20" name="Rectangle 19">
             <a:extLst>
               <a:ext uri="{FF2B5EF4-FFF2-40B4-BE49-F238E27FC236}">
-                <a16:creationId xmlns:a16="http://schemas.microsoft.com/office/drawing/2014/main" id="{443F2ACA-E6D6-4028-82DD-F03C262D5DE6}"/>
+                <a16:creationId xmlns:a16="http://schemas.microsoft.com/office/drawing/2014/main" id="{8D71EDA1-87BF-4D5D-AB79-F346FD19278A}"/>
               </a:ext>
               <a:ext uri="{C183D7F6-B498-43B3-948B-1728B52AA6E4}">
                 <adec:decorative xmlns:adec="http://schemas.microsoft.com/office/drawing/2017/decorative" val="1"/>
@@ -20439,7 +18388,7 @@
         </p:nvSpPr>
         <p:spPr>
           <a:xfrm rot="5400000" flipH="1">
-            <a:off x="-1410095" y="1410079"/>
+            <a:off x="-1410093" y="1399943"/>
             <a:ext cx="6858003" cy="4037835"/>
           </a:xfrm>
           <a:prstGeom prst="rect">
@@ -20509,8 +18458,8 @@
         </p:nvSpPr>
         <p:spPr>
           <a:xfrm>
-            <a:off x="586478" y="1683756"/>
-            <a:ext cx="3115265" cy="2396359"/>
+            <a:off x="466722" y="586855"/>
+            <a:ext cx="3201366" cy="3387497"/>
           </a:xfrm>
         </p:spPr>
         <p:txBody>
@@ -20526,103 +18475,13 @@
                   <a:srgbClr val="FFFFFF"/>
                 </a:solidFill>
               </a:rPr>
-              <a:t>Foxglove App</a:t>
+              <a:t>Automation of Deployment</a:t>
             </a:r>
             <a:endParaRPr lang="LID4096" sz="4000">
               <a:solidFill>
                 <a:srgbClr val="FFFFFF"/>
               </a:solidFill>
             </a:endParaRPr>
-          </a:p>
-        </p:txBody>
-      </p:sp>
-      <p:graphicFrame>
-        <p:nvGraphicFramePr>
-          <p:cNvPr id="5" name="Content Placeholder 2">
-            <a:extLst>
-              <a:ext uri="{FF2B5EF4-FFF2-40B4-BE49-F238E27FC236}">
-                <a16:creationId xmlns:a16="http://schemas.microsoft.com/office/drawing/2014/main" id="{3EC22E3C-6CEC-21F3-4463-9AC80BE89656}"/>
-              </a:ext>
-            </a:extLst>
-          </p:cNvPr>
-          <p:cNvGraphicFramePr>
-            <a:graphicFrameLocks noGrp="1"/>
-          </p:cNvGraphicFramePr>
-          <p:nvPr>
-            <p:ph idx="1"/>
-            <p:extLst>
-              <p:ext uri="{D42A27DB-BD31-4B8C-83A1-F6EECF244321}">
-                <p14:modId xmlns:p14="http://schemas.microsoft.com/office/powerpoint/2010/main" val="1998309054"/>
-              </p:ext>
-            </p:extLst>
-          </p:nvPr>
-        </p:nvGraphicFramePr>
-        <p:xfrm>
-          <a:off x="4905052" y="750440"/>
-          <a:ext cx="6666833" cy="5453920"/>
-        </p:xfrm>
-        <a:graphic>
-          <a:graphicData uri="http://schemas.openxmlformats.org/drawingml/2006/diagram">
-            <dgm:relIds xmlns:dgm="http://schemas.openxmlformats.org/drawingml/2006/diagram" xmlns:r="http://schemas.openxmlformats.org/officeDocument/2006/relationships" r:dm="rId2" r:lo="rId3" r:qs="rId4" r:cs="rId5"/>
-          </a:graphicData>
-        </a:graphic>
-      </p:graphicFrame>
-    </p:spTree>
-    <p:extLst>
-      <p:ext uri="{BB962C8B-B14F-4D97-AF65-F5344CB8AC3E}">
-        <p14:creationId xmlns:p14="http://schemas.microsoft.com/office/powerpoint/2010/main" val="1501116394"/>
-      </p:ext>
-    </p:extLst>
-  </p:cSld>
-  <p:clrMapOvr>
-    <a:masterClrMapping/>
-  </p:clrMapOvr>
-</p:sld>
-</file>
-
-<file path=ppt/slides/slide8.xml><?xml version="1.0" encoding="utf-8"?>
-<p:sld xmlns:a="http://schemas.openxmlformats.org/drawingml/2006/main" xmlns:r="http://schemas.openxmlformats.org/officeDocument/2006/relationships" xmlns:p="http://schemas.openxmlformats.org/presentationml/2006/main">
-  <p:cSld>
-    <p:spTree>
-      <p:nvGrpSpPr>
-        <p:cNvPr id="1" name=""/>
-        <p:cNvGrpSpPr/>
-        <p:nvPr/>
-      </p:nvGrpSpPr>
-      <p:grpSpPr>
-        <a:xfrm>
-          <a:off x="0" y="0"/>
-          <a:ext cx="0" cy="0"/>
-          <a:chOff x="0" y="0"/>
-          <a:chExt cx="0" cy="0"/>
-        </a:xfrm>
-      </p:grpSpPr>
-      <p:sp>
-        <p:nvSpPr>
-          <p:cNvPr id="2" name="Title 1">
-            <a:extLst>
-              <a:ext uri="{FF2B5EF4-FFF2-40B4-BE49-F238E27FC236}">
-                <a16:creationId xmlns:a16="http://schemas.microsoft.com/office/drawing/2014/main" id="{44BBD44D-6CF2-6506-173F-544F09E3DB84}"/>
-              </a:ext>
-            </a:extLst>
-          </p:cNvPr>
-          <p:cNvSpPr>
-            <a:spLocks noGrp="1"/>
-          </p:cNvSpPr>
-          <p:nvPr>
-            <p:ph type="title"/>
-          </p:nvPr>
-        </p:nvSpPr>
-        <p:spPr/>
-        <p:txBody>
-          <a:bodyPr/>
-          <a:lstStyle/>
-          <a:p>
-            <a:r>
-              <a:rPr lang="en-US" dirty="0"/>
-              <a:t>Connection to the storage account</a:t>
-            </a:r>
-            <a:endParaRPr lang="LID4096" dirty="0"/>
           </a:p>
         </p:txBody>
       </p:sp>
@@ -20642,114 +18501,415 @@
             <p:ph idx="1"/>
           </p:nvPr>
         </p:nvSpPr>
-        <p:spPr/>
+        <p:spPr>
+          <a:xfrm>
+            <a:off x="4723375" y="406288"/>
+            <a:ext cx="7018884" cy="5954520"/>
+          </a:xfrm>
+        </p:spPr>
         <p:txBody>
-          <a:bodyPr/>
+          <a:bodyPr anchor="ctr">
+            <a:noAutofit/>
+          </a:bodyPr>
           <a:lstStyle/>
           <a:p>
             <a:pPr marL="0" indent="0">
               <a:buNone/>
             </a:pPr>
             <a:r>
-              <a:rPr lang="en-US"/>
-              <a:t>In Progress</a:t>
-            </a:r>
-            <a:endParaRPr lang="LID4096" dirty="0"/>
+              <a:rPr lang="en-US" sz="1200" dirty="0"/>
+              <a:t>steps: </a:t>
+            </a:r>
+          </a:p>
+          <a:p>
+            <a:pPr marL="0" indent="0">
+              <a:buNone/>
+            </a:pPr>
+            <a:r>
+              <a:rPr lang="en-US" sz="1200" dirty="0"/>
+              <a:t>1.     docker pull $(</a:t>
+            </a:r>
+            <a:r>
+              <a:rPr lang="en-US" sz="1200" dirty="0" err="1"/>
+              <a:t>ghcr_image</a:t>
+            </a:r>
+            <a:r>
+              <a:rPr lang="en-US" sz="1200" dirty="0"/>
+              <a:t>) </a:t>
+            </a:r>
+          </a:p>
+          <a:p>
+            <a:pPr marL="0" indent="0">
+              <a:buNone/>
+            </a:pPr>
+            <a:r>
+              <a:rPr lang="en-US" sz="1200" dirty="0"/>
+              <a:t>          </a:t>
+            </a:r>
+            <a:r>
+              <a:rPr lang="en-US" sz="1200" dirty="0" err="1"/>
+              <a:t>displayName</a:t>
+            </a:r>
+            <a:r>
+              <a:rPr lang="en-US" sz="1200" dirty="0"/>
+              <a:t>: Pull Foxglove image from GHCR</a:t>
+            </a:r>
+          </a:p>
+          <a:p>
+            <a:pPr marL="0" indent="0">
+              <a:buNone/>
+            </a:pPr>
+            <a:r>
+              <a:rPr lang="en-US" sz="1200" dirty="0"/>
+              <a:t>2.     docker tag $(</a:t>
+            </a:r>
+            <a:r>
+              <a:rPr lang="en-US" sz="1200" dirty="0" err="1"/>
+              <a:t>ghcr_image</a:t>
+            </a:r>
+            <a:r>
+              <a:rPr lang="en-US" sz="1200" dirty="0"/>
+              <a:t>) $(</a:t>
+            </a:r>
+            <a:r>
+              <a:rPr lang="en-US" sz="1200" dirty="0" err="1"/>
+              <a:t>containerRegistry</a:t>
+            </a:r>
+            <a:r>
+              <a:rPr lang="en-US" sz="1200" dirty="0"/>
+              <a:t>)/$(</a:t>
+            </a:r>
+            <a:r>
+              <a:rPr lang="en-US" sz="1200" dirty="0" err="1"/>
+              <a:t>image_repository</a:t>
+            </a:r>
+            <a:r>
+              <a:rPr lang="en-US" sz="1200" dirty="0"/>
+              <a:t>):$(</a:t>
+            </a:r>
+            <a:r>
+              <a:rPr lang="en-US" sz="1200" dirty="0" err="1"/>
+              <a:t>Build.BuildId</a:t>
+            </a:r>
+            <a:r>
+              <a:rPr lang="en-US" sz="1200" dirty="0"/>
+              <a:t>)</a:t>
+            </a:r>
+          </a:p>
+          <a:p>
+            <a:pPr marL="0" indent="0">
+              <a:buNone/>
+            </a:pPr>
+            <a:r>
+              <a:rPr lang="en-US" sz="1200" dirty="0"/>
+              <a:t>          </a:t>
+            </a:r>
+            <a:r>
+              <a:rPr lang="en-US" sz="1200" dirty="0" err="1"/>
+              <a:t>displayName</a:t>
+            </a:r>
+            <a:r>
+              <a:rPr lang="en-US" sz="1200" dirty="0"/>
+              <a:t>: Tagging local Foxglove image</a:t>
+            </a:r>
+          </a:p>
+          <a:p>
+            <a:pPr marL="0" indent="0">
+              <a:buNone/>
+            </a:pPr>
+            <a:r>
+              <a:rPr lang="en-US" sz="1200" dirty="0"/>
+              <a:t>3.       task: Docker@2 </a:t>
+            </a:r>
+          </a:p>
+          <a:p>
+            <a:pPr marL="0" indent="0">
+              <a:buNone/>
+            </a:pPr>
+            <a:r>
+              <a:rPr lang="en-US" sz="1200" dirty="0"/>
+              <a:t>          </a:t>
+            </a:r>
+            <a:r>
+              <a:rPr lang="en-US" sz="1200" dirty="0" err="1"/>
+              <a:t>displayName</a:t>
+            </a:r>
+            <a:r>
+              <a:rPr lang="en-US" sz="1200" dirty="0"/>
+              <a:t>: Login to ACR </a:t>
+            </a:r>
+          </a:p>
+          <a:p>
+            <a:pPr marL="0" indent="0">
+              <a:buNone/>
+            </a:pPr>
+            <a:r>
+              <a:rPr lang="en-US" sz="1200" dirty="0"/>
+              <a:t>          inputs: </a:t>
+            </a:r>
+          </a:p>
+          <a:p>
+            <a:pPr marL="0" indent="0">
+              <a:buNone/>
+            </a:pPr>
+            <a:r>
+              <a:rPr lang="en-US" sz="1200" dirty="0"/>
+              <a:t>            command: "login" </a:t>
+            </a:r>
+          </a:p>
+          <a:p>
+            <a:pPr marL="0" indent="0">
+              <a:buNone/>
+            </a:pPr>
+            <a:r>
+              <a:rPr lang="en-US" sz="1200" dirty="0"/>
+              <a:t>            </a:t>
+            </a:r>
+            <a:r>
+              <a:rPr lang="en-US" sz="1200" dirty="0" err="1"/>
+              <a:t>containerRegistry</a:t>
+            </a:r>
+            <a:r>
+              <a:rPr lang="en-US" sz="1200" dirty="0"/>
+              <a:t>: $(</a:t>
+            </a:r>
+            <a:r>
+              <a:rPr lang="en-US" sz="1200" dirty="0" err="1"/>
+              <a:t>acr_service_connection</a:t>
+            </a:r>
+            <a:r>
+              <a:rPr lang="en-US" sz="1200" dirty="0"/>
+              <a:t>) </a:t>
+            </a:r>
+          </a:p>
+          <a:p>
+            <a:pPr marL="0" indent="0">
+              <a:buNone/>
+            </a:pPr>
+            <a:r>
+              <a:rPr lang="en-US" sz="1200" dirty="0"/>
+              <a:t>4.        task: Docker@2 </a:t>
+            </a:r>
+          </a:p>
+          <a:p>
+            <a:pPr marL="0" indent="0">
+              <a:buNone/>
+            </a:pPr>
+            <a:r>
+              <a:rPr lang="en-US" sz="1200" dirty="0"/>
+              <a:t>          </a:t>
+            </a:r>
+            <a:r>
+              <a:rPr lang="en-US" sz="1200" dirty="0" err="1"/>
+              <a:t>displayName</a:t>
+            </a:r>
+            <a:r>
+              <a:rPr lang="en-US" sz="1200" dirty="0"/>
+              <a:t>: Push image to ACR </a:t>
+            </a:r>
+          </a:p>
+          <a:p>
+            <a:pPr marL="0" indent="0">
+              <a:buNone/>
+            </a:pPr>
+            <a:r>
+              <a:rPr lang="en-US" sz="1200" dirty="0"/>
+              <a:t>          inputs: </a:t>
+            </a:r>
+          </a:p>
+          <a:p>
+            <a:pPr marL="0" indent="0">
+              <a:buNone/>
+            </a:pPr>
+            <a:r>
+              <a:rPr lang="en-US" sz="1200" dirty="0"/>
+              <a:t>            command: "push" </a:t>
+            </a:r>
+          </a:p>
+          <a:p>
+            <a:pPr marL="0" indent="0">
+              <a:buNone/>
+            </a:pPr>
+            <a:r>
+              <a:rPr lang="en-US" sz="1200" dirty="0"/>
+              <a:t>            </a:t>
+            </a:r>
+            <a:r>
+              <a:rPr lang="en-US" sz="1200" dirty="0" err="1"/>
+              <a:t>containerRegistry</a:t>
+            </a:r>
+            <a:r>
+              <a:rPr lang="en-US" sz="1200" dirty="0"/>
+              <a:t>: $(</a:t>
+            </a:r>
+            <a:r>
+              <a:rPr lang="en-US" sz="1200" dirty="0" err="1"/>
+              <a:t>acr_service_connection</a:t>
+            </a:r>
+            <a:r>
+              <a:rPr lang="en-US" sz="1200" dirty="0"/>
+              <a:t>) </a:t>
+            </a:r>
+          </a:p>
+          <a:p>
+            <a:pPr marL="0" indent="0">
+              <a:buNone/>
+            </a:pPr>
+            <a:r>
+              <a:rPr lang="en-US" sz="1200" dirty="0"/>
+              <a:t>            repository: $(</a:t>
+            </a:r>
+            <a:r>
+              <a:rPr lang="en-US" sz="1200" dirty="0" err="1"/>
+              <a:t>image_repository</a:t>
+            </a:r>
+            <a:r>
+              <a:rPr lang="en-US" sz="1200" dirty="0"/>
+              <a:t>) </a:t>
+            </a:r>
+          </a:p>
+          <a:p>
+            <a:pPr marL="0" indent="0">
+              <a:buNone/>
+            </a:pPr>
+            <a:r>
+              <a:rPr lang="en-US" sz="1200" dirty="0"/>
+              <a:t>            tags: $(tags)</a:t>
+            </a:r>
+          </a:p>
+          <a:p>
+            <a:pPr marL="0" indent="0">
+              <a:buNone/>
+            </a:pPr>
+            <a:r>
+              <a:rPr lang="en-US" sz="1200" dirty="0"/>
+              <a:t>5.      task: AzureWebAppContainer@1</a:t>
+            </a:r>
+          </a:p>
+          <a:p>
+            <a:pPr marL="0" indent="0">
+              <a:buNone/>
+            </a:pPr>
+            <a:r>
+              <a:rPr lang="en-US" sz="1200" dirty="0"/>
+              <a:t>          </a:t>
+            </a:r>
+            <a:r>
+              <a:rPr lang="en-US" sz="1200" dirty="0" err="1"/>
+              <a:t>displayName</a:t>
+            </a:r>
+            <a:r>
+              <a:rPr lang="en-US" sz="1200" dirty="0"/>
+              <a:t>: 'Azure Web App on Container Deploy'</a:t>
+            </a:r>
+          </a:p>
+          <a:p>
+            <a:pPr marL="0" indent="0">
+              <a:buNone/>
+            </a:pPr>
+            <a:r>
+              <a:rPr lang="en-US" sz="1200" dirty="0"/>
+              <a:t>          inputs:</a:t>
+            </a:r>
+          </a:p>
+          <a:p>
+            <a:pPr marL="0" indent="0">
+              <a:buNone/>
+            </a:pPr>
+            <a:r>
+              <a:rPr lang="en-US" sz="1200" dirty="0"/>
+              <a:t>           </a:t>
+            </a:r>
+            <a:r>
+              <a:rPr lang="en-US" sz="1200" dirty="0" err="1"/>
+              <a:t>azureSubscription</a:t>
+            </a:r>
+            <a:r>
+              <a:rPr lang="en-US" sz="1200" dirty="0"/>
+              <a:t>: $(</a:t>
+            </a:r>
+            <a:r>
+              <a:rPr lang="en-US" sz="1200" dirty="0" err="1"/>
+              <a:t>azureSubscription</a:t>
+            </a:r>
+            <a:r>
+              <a:rPr lang="en-US" sz="1200" dirty="0"/>
+              <a:t>)</a:t>
+            </a:r>
+          </a:p>
+          <a:p>
+            <a:pPr marL="0" indent="0">
+              <a:buNone/>
+            </a:pPr>
+            <a:r>
+              <a:rPr lang="en-US" sz="1200" dirty="0"/>
+              <a:t>           </a:t>
+            </a:r>
+            <a:r>
+              <a:rPr lang="en-US" sz="1200" dirty="0" err="1"/>
+              <a:t>appName</a:t>
+            </a:r>
+            <a:r>
+              <a:rPr lang="en-US" sz="1200" dirty="0"/>
+              <a:t>: $(</a:t>
+            </a:r>
+            <a:r>
+              <a:rPr lang="en-US" sz="1200" dirty="0" err="1"/>
+              <a:t>appName</a:t>
+            </a:r>
+            <a:r>
+              <a:rPr lang="en-US" sz="1200" dirty="0"/>
+              <a:t>)</a:t>
+            </a:r>
+          </a:p>
+          <a:p>
+            <a:pPr marL="0" indent="0">
+              <a:buNone/>
+            </a:pPr>
+            <a:r>
+              <a:rPr lang="en-US" sz="1200" dirty="0"/>
+              <a:t>           </a:t>
+            </a:r>
+            <a:r>
+              <a:rPr lang="en-US" sz="1200" dirty="0" err="1"/>
+              <a:t>imageName</a:t>
+            </a:r>
+            <a:r>
+              <a:rPr lang="en-US" sz="1200" dirty="0"/>
+              <a:t>: $(</a:t>
+            </a:r>
+            <a:r>
+              <a:rPr lang="en-US" sz="1200" dirty="0" err="1"/>
+              <a:t>containerRegistry</a:t>
+            </a:r>
+            <a:r>
+              <a:rPr lang="en-US" sz="1200" dirty="0"/>
+              <a:t>)/$(</a:t>
+            </a:r>
+            <a:r>
+              <a:rPr lang="en-US" sz="1200" dirty="0" err="1"/>
+              <a:t>image_repository</a:t>
+            </a:r>
+            <a:r>
+              <a:rPr lang="en-US" sz="1200" dirty="0"/>
+              <a:t>):$(</a:t>
+            </a:r>
+            <a:r>
+              <a:rPr lang="en-US" sz="1200" dirty="0" err="1"/>
+              <a:t>Build.BuildId</a:t>
+            </a:r>
+            <a:r>
+              <a:rPr lang="en-US" sz="1200" dirty="0"/>
+              <a:t>)</a:t>
+            </a:r>
+            <a:endParaRPr lang="LID4096" sz="1200" dirty="0"/>
           </a:p>
         </p:txBody>
       </p:sp>
     </p:spTree>
     <p:extLst>
       <p:ext uri="{BB962C8B-B14F-4D97-AF65-F5344CB8AC3E}">
-        <p14:creationId xmlns:p14="http://schemas.microsoft.com/office/powerpoint/2010/main" val="4149882032"/>
-      </p:ext>
-    </p:extLst>
-  </p:cSld>
-  <p:clrMapOvr>
-    <a:masterClrMapping/>
-  </p:clrMapOvr>
-</p:sld>
-</file>
-
-<file path=ppt/slides/slide9.xml><?xml version="1.0" encoding="utf-8"?>
-<p:sld xmlns:a="http://schemas.openxmlformats.org/drawingml/2006/main" xmlns:r="http://schemas.openxmlformats.org/officeDocument/2006/relationships" xmlns:p="http://schemas.openxmlformats.org/presentationml/2006/main">
-  <p:cSld>
-    <p:spTree>
-      <p:nvGrpSpPr>
-        <p:cNvPr id="1" name=""/>
-        <p:cNvGrpSpPr/>
-        <p:nvPr/>
-      </p:nvGrpSpPr>
-      <p:grpSpPr>
-        <a:xfrm>
-          <a:off x="0" y="0"/>
-          <a:ext cx="0" cy="0"/>
-          <a:chOff x="0" y="0"/>
-          <a:chExt cx="0" cy="0"/>
-        </a:xfrm>
-      </p:grpSpPr>
-      <p:sp>
-        <p:nvSpPr>
-          <p:cNvPr id="2" name="Title 1">
-            <a:extLst>
-              <a:ext uri="{FF2B5EF4-FFF2-40B4-BE49-F238E27FC236}">
-                <a16:creationId xmlns:a16="http://schemas.microsoft.com/office/drawing/2014/main" id="{44BBD44D-6CF2-6506-173F-544F09E3DB84}"/>
-              </a:ext>
-            </a:extLst>
-          </p:cNvPr>
-          <p:cNvSpPr>
-            <a:spLocks noGrp="1"/>
-          </p:cNvSpPr>
-          <p:nvPr>
-            <p:ph type="title"/>
-          </p:nvPr>
-        </p:nvSpPr>
-        <p:spPr/>
-        <p:txBody>
-          <a:bodyPr/>
-          <a:lstStyle/>
-          <a:p>
-            <a:r>
-              <a:rPr lang="en-US" dirty="0"/>
-              <a:t>Automation of Deployment</a:t>
-            </a:r>
-            <a:endParaRPr lang="LID4096" dirty="0"/>
-          </a:p>
-        </p:txBody>
-      </p:sp>
-      <p:sp>
-        <p:nvSpPr>
-          <p:cNvPr id="3" name="Content Placeholder 2">
-            <a:extLst>
-              <a:ext uri="{FF2B5EF4-FFF2-40B4-BE49-F238E27FC236}">
-                <a16:creationId xmlns:a16="http://schemas.microsoft.com/office/drawing/2014/main" id="{4D5EC462-4B67-9C14-18D1-CFB1562BFE0D}"/>
-              </a:ext>
-            </a:extLst>
-          </p:cNvPr>
-          <p:cNvSpPr>
-            <a:spLocks noGrp="1"/>
-          </p:cNvSpPr>
-          <p:nvPr>
-            <p:ph idx="1"/>
-          </p:nvPr>
-        </p:nvSpPr>
-        <p:spPr/>
-        <p:txBody>
-          <a:bodyPr/>
-          <a:lstStyle/>
-          <a:p>
-            <a:r>
-              <a:rPr lang="en-US" dirty="0"/>
-              <a:t>In Progress</a:t>
-            </a:r>
-            <a:endParaRPr lang="LID4096" dirty="0"/>
-          </a:p>
-        </p:txBody>
-      </p:sp>
-    </p:spTree>
-    <p:extLst>
-      <p:ext uri="{BB962C8B-B14F-4D97-AF65-F5344CB8AC3E}">
-        <p14:creationId xmlns:p14="http://schemas.microsoft.com/office/powerpoint/2010/main" val="2487661349"/>
+        <p14:creationId xmlns:p14="http://schemas.microsoft.com/office/powerpoint/2010/main" val="2103158224"/>
       </p:ext>
     </p:extLst>
   </p:cSld>
